--- a/PPT Templates/BU_PowerPoint_template_4_3.pptx
+++ b/PPT Templates/BU_PowerPoint_template_4_3.pptx
@@ -1,18 +1,24 @@
 
 <file path=ppt/presentation.xml><?xml version="1.0" encoding="utf-8"?>
-<p:presentation xmlns:a="http://schemas.openxmlformats.org/drawingml/2006/main" xmlns:r="http://schemas.openxmlformats.org/officeDocument/2006/relationships" xmlns:p="http://schemas.openxmlformats.org/presentationml/2006/main" showSpecialPlsOnTitleSld="0" compatMode="1" strictFirstAndLastChars="0" saveSubsetFonts="1" autoCompressPictures="0">
+<p:presentation xmlns:a="http://schemas.openxmlformats.org/drawingml/2006/main" xmlns:r="http://schemas.openxmlformats.org/officeDocument/2006/relationships" xmlns:p="http://schemas.openxmlformats.org/presentationml/2006/main" showSpecialPlsOnTitleSld="0" strictFirstAndLastChars="0" saveSubsetFonts="1" autoCompressPictures="0">
   <p:sldMasterIdLst>
     <p:sldMasterId id="2147483648" r:id="rId1"/>
   </p:sldMasterIdLst>
   <p:notesMasterIdLst>
-    <p:notesMasterId r:id="rId4"/>
+    <p:notesMasterId r:id="rId10"/>
   </p:notesMasterIdLst>
   <p:handoutMasterIdLst>
-    <p:handoutMasterId r:id="rId5"/>
+    <p:handoutMasterId r:id="rId11"/>
   </p:handoutMasterIdLst>
   <p:sldIdLst>
     <p:sldId id="256" r:id="rId2"/>
     <p:sldId id="257" r:id="rId3"/>
+    <p:sldId id="258" r:id="rId4"/>
+    <p:sldId id="259" r:id="rId5"/>
+    <p:sldId id="260" r:id="rId6"/>
+    <p:sldId id="261" r:id="rId7"/>
+    <p:sldId id="262" r:id="rId8"/>
+    <p:sldId id="263" r:id="rId9"/>
   </p:sldIdLst>
   <p:sldSz cx="9144000" cy="6858000" type="screen4x3"/>
   <p:notesSz cx="6858000" cy="9144000"/>
@@ -539,6 +545,11 @@
         </p:txBody>
       </p:sp>
     </p:spTree>
+    <p:extLst>
+      <p:ext uri="{BB962C8B-B14F-4D97-AF65-F5344CB8AC3E}">
+        <p14:creationId xmlns:p14="http://schemas.microsoft.com/office/powerpoint/2010/main" val="1"/>
+      </p:ext>
+    </p:extLst>
   </p:cSld>
   <p:clrMap bg1="lt1" tx1="dk1" bg2="lt2" tx2="dk2" accent1="accent1" accent2="accent2" accent3="accent3" accent4="accent4" accent5="accent5" accent6="accent6" hlink="hlink" folHlink="folHlink"/>
 </p:handoutMaster>
@@ -1289,7 +1300,7 @@
             <a:pPr eaLnBrk="1" hangingPunct="1">
               <a:defRPr/>
             </a:pPr>
-            <a:endParaRPr lang="en-US" altLang="en-US"/>
+            <a:endParaRPr lang="en-US" altLang="en-US" dirty="0"/>
           </a:p>
         </p:txBody>
       </p:sp>
@@ -1402,6 +1413,684 @@
         </p:txBody>
       </p:sp>
     </p:spTree>
+  </p:cSld>
+  <p:clrMapOvr>
+    <a:masterClrMapping/>
+  </p:clrMapOvr>
+</p:notes>
+</file>
+
+<file path=ppt/notesSlides/notesSlide3.xml><?xml version="1.0" encoding="utf-8"?>
+<p:notes xmlns:a="http://schemas.openxmlformats.org/drawingml/2006/main" xmlns:r="http://schemas.openxmlformats.org/officeDocument/2006/relationships" xmlns:p="http://schemas.openxmlformats.org/presentationml/2006/main">
+  <p:cSld>
+    <p:spTree>
+      <p:nvGrpSpPr>
+        <p:cNvPr id="1" name=""/>
+        <p:cNvGrpSpPr/>
+        <p:nvPr/>
+      </p:nvGrpSpPr>
+      <p:grpSpPr>
+        <a:xfrm>
+          <a:off x="0" y="0"/>
+          <a:ext cx="0" cy="0"/>
+          <a:chOff x="0" y="0"/>
+          <a:chExt cx="0" cy="0"/>
+        </a:xfrm>
+      </p:grpSpPr>
+      <p:sp>
+        <p:nvSpPr>
+          <p:cNvPr id="7" name="Rectangle 7">
+            <a:extLst>
+              <a:ext uri="{FF2B5EF4-FFF2-40B4-BE49-F238E27FC236}">
+                <a16:creationId xmlns:a16="http://schemas.microsoft.com/office/drawing/2014/main" id="{442DD959-782F-0A4B-AC9C-64CAC32AE8D5}"/>
+              </a:ext>
+            </a:extLst>
+          </p:cNvPr>
+          <p:cNvSpPr>
+            <a:spLocks noGrp="1" noChangeArrowheads="1"/>
+          </p:cNvSpPr>
+          <p:nvPr>
+            <p:ph type="sldNum" sz="quarter" idx="5"/>
+          </p:nvPr>
+        </p:nvSpPr>
+        <p:spPr/>
+        <p:txBody>
+          <a:bodyPr/>
+          <a:lstStyle/>
+          <a:p>
+            <a:pPr>
+              <a:defRPr/>
+            </a:pPr>
+            <a:fld id="{781F3CA7-8E8B-5445-8D7A-6D3BD2A3EE3B}" type="slidenum">
+              <a:rPr lang="en-US" altLang="en-US"/>
+              <a:pPr>
+                <a:defRPr/>
+              </a:pPr>
+              <a:t>3</a:t>
+            </a:fld>
+            <a:endParaRPr lang="en-US" altLang="en-US"/>
+          </a:p>
+        </p:txBody>
+      </p:sp>
+      <p:sp>
+        <p:nvSpPr>
+          <p:cNvPr id="7170" name="Rectangle 2">
+            <a:extLst>
+              <a:ext uri="{FF2B5EF4-FFF2-40B4-BE49-F238E27FC236}">
+                <a16:creationId xmlns:a16="http://schemas.microsoft.com/office/drawing/2014/main" id="{C572A238-911E-3946-912A-4B3B5F9613E5}"/>
+              </a:ext>
+            </a:extLst>
+          </p:cNvPr>
+          <p:cNvSpPr>
+            <a:spLocks noGrp="1" noRot="1" noChangeAspect="1" noChangeArrowheads="1" noTextEdit="1"/>
+          </p:cNvSpPr>
+          <p:nvPr>
+            <p:ph type="sldImg"/>
+          </p:nvPr>
+        </p:nvSpPr>
+        <p:spPr>
+          <a:ln/>
+        </p:spPr>
+      </p:sp>
+      <p:sp>
+        <p:nvSpPr>
+          <p:cNvPr id="7171" name="Rectangle 3">
+            <a:extLst>
+              <a:ext uri="{FF2B5EF4-FFF2-40B4-BE49-F238E27FC236}">
+                <a16:creationId xmlns:a16="http://schemas.microsoft.com/office/drawing/2014/main" id="{24B0B73A-F69C-D144-B64B-1B94C339CD8A}"/>
+              </a:ext>
+            </a:extLst>
+          </p:cNvPr>
+          <p:cNvSpPr>
+            <a:spLocks noGrp="1" noChangeArrowheads="1"/>
+          </p:cNvSpPr>
+          <p:nvPr>
+            <p:ph type="body" idx="1"/>
+          </p:nvPr>
+        </p:nvSpPr>
+        <p:spPr/>
+        <p:txBody>
+          <a:bodyPr/>
+          <a:lstStyle/>
+          <a:p>
+            <a:pPr eaLnBrk="1" hangingPunct="1">
+              <a:defRPr/>
+            </a:pPr>
+            <a:endParaRPr lang="en-US" altLang="en-US"/>
+          </a:p>
+        </p:txBody>
+      </p:sp>
+    </p:spTree>
+    <p:extLst>
+      <p:ext uri="{BB962C8B-B14F-4D97-AF65-F5344CB8AC3E}">
+        <p14:creationId xmlns:p14="http://schemas.microsoft.com/office/powerpoint/2010/main" val="750312932"/>
+      </p:ext>
+    </p:extLst>
+  </p:cSld>
+  <p:clrMapOvr>
+    <a:masterClrMapping/>
+  </p:clrMapOvr>
+</p:notes>
+</file>
+
+<file path=ppt/notesSlides/notesSlide4.xml><?xml version="1.0" encoding="utf-8"?>
+<p:notes xmlns:a="http://schemas.openxmlformats.org/drawingml/2006/main" xmlns:r="http://schemas.openxmlformats.org/officeDocument/2006/relationships" xmlns:p="http://schemas.openxmlformats.org/presentationml/2006/main">
+  <p:cSld>
+    <p:spTree>
+      <p:nvGrpSpPr>
+        <p:cNvPr id="1" name=""/>
+        <p:cNvGrpSpPr/>
+        <p:nvPr/>
+      </p:nvGrpSpPr>
+      <p:grpSpPr>
+        <a:xfrm>
+          <a:off x="0" y="0"/>
+          <a:ext cx="0" cy="0"/>
+          <a:chOff x="0" y="0"/>
+          <a:chExt cx="0" cy="0"/>
+        </a:xfrm>
+      </p:grpSpPr>
+      <p:sp>
+        <p:nvSpPr>
+          <p:cNvPr id="7" name="Rectangle 7">
+            <a:extLst>
+              <a:ext uri="{FF2B5EF4-FFF2-40B4-BE49-F238E27FC236}">
+                <a16:creationId xmlns:a16="http://schemas.microsoft.com/office/drawing/2014/main" id="{442DD959-782F-0A4B-AC9C-64CAC32AE8D5}"/>
+              </a:ext>
+            </a:extLst>
+          </p:cNvPr>
+          <p:cNvSpPr>
+            <a:spLocks noGrp="1" noChangeArrowheads="1"/>
+          </p:cNvSpPr>
+          <p:nvPr>
+            <p:ph type="sldNum" sz="quarter" idx="5"/>
+          </p:nvPr>
+        </p:nvSpPr>
+        <p:spPr/>
+        <p:txBody>
+          <a:bodyPr/>
+          <a:lstStyle/>
+          <a:p>
+            <a:pPr>
+              <a:defRPr/>
+            </a:pPr>
+            <a:fld id="{781F3CA7-8E8B-5445-8D7A-6D3BD2A3EE3B}" type="slidenum">
+              <a:rPr lang="en-US" altLang="en-US"/>
+              <a:pPr>
+                <a:defRPr/>
+              </a:pPr>
+              <a:t>4</a:t>
+            </a:fld>
+            <a:endParaRPr lang="en-US" altLang="en-US"/>
+          </a:p>
+        </p:txBody>
+      </p:sp>
+      <p:sp>
+        <p:nvSpPr>
+          <p:cNvPr id="7170" name="Rectangle 2">
+            <a:extLst>
+              <a:ext uri="{FF2B5EF4-FFF2-40B4-BE49-F238E27FC236}">
+                <a16:creationId xmlns:a16="http://schemas.microsoft.com/office/drawing/2014/main" id="{C572A238-911E-3946-912A-4B3B5F9613E5}"/>
+              </a:ext>
+            </a:extLst>
+          </p:cNvPr>
+          <p:cNvSpPr>
+            <a:spLocks noGrp="1" noRot="1" noChangeAspect="1" noChangeArrowheads="1" noTextEdit="1"/>
+          </p:cNvSpPr>
+          <p:nvPr>
+            <p:ph type="sldImg"/>
+          </p:nvPr>
+        </p:nvSpPr>
+        <p:spPr>
+          <a:ln/>
+        </p:spPr>
+      </p:sp>
+      <p:sp>
+        <p:nvSpPr>
+          <p:cNvPr id="7171" name="Rectangle 3">
+            <a:extLst>
+              <a:ext uri="{FF2B5EF4-FFF2-40B4-BE49-F238E27FC236}">
+                <a16:creationId xmlns:a16="http://schemas.microsoft.com/office/drawing/2014/main" id="{24B0B73A-F69C-D144-B64B-1B94C339CD8A}"/>
+              </a:ext>
+            </a:extLst>
+          </p:cNvPr>
+          <p:cNvSpPr>
+            <a:spLocks noGrp="1" noChangeArrowheads="1"/>
+          </p:cNvSpPr>
+          <p:nvPr>
+            <p:ph type="body" idx="1"/>
+          </p:nvPr>
+        </p:nvSpPr>
+        <p:spPr/>
+        <p:txBody>
+          <a:bodyPr/>
+          <a:lstStyle/>
+          <a:p>
+            <a:pPr eaLnBrk="1" hangingPunct="1">
+              <a:defRPr/>
+            </a:pPr>
+            <a:endParaRPr lang="en-US" altLang="en-US"/>
+          </a:p>
+        </p:txBody>
+      </p:sp>
+    </p:spTree>
+    <p:extLst>
+      <p:ext uri="{BB962C8B-B14F-4D97-AF65-F5344CB8AC3E}">
+        <p14:creationId xmlns:p14="http://schemas.microsoft.com/office/powerpoint/2010/main" val="3306859095"/>
+      </p:ext>
+    </p:extLst>
+  </p:cSld>
+  <p:clrMapOvr>
+    <a:masterClrMapping/>
+  </p:clrMapOvr>
+</p:notes>
+</file>
+
+<file path=ppt/notesSlides/notesSlide5.xml><?xml version="1.0" encoding="utf-8"?>
+<p:notes xmlns:a="http://schemas.openxmlformats.org/drawingml/2006/main" xmlns:r="http://schemas.openxmlformats.org/officeDocument/2006/relationships" xmlns:p="http://schemas.openxmlformats.org/presentationml/2006/main">
+  <p:cSld>
+    <p:spTree>
+      <p:nvGrpSpPr>
+        <p:cNvPr id="1" name=""/>
+        <p:cNvGrpSpPr/>
+        <p:nvPr/>
+      </p:nvGrpSpPr>
+      <p:grpSpPr>
+        <a:xfrm>
+          <a:off x="0" y="0"/>
+          <a:ext cx="0" cy="0"/>
+          <a:chOff x="0" y="0"/>
+          <a:chExt cx="0" cy="0"/>
+        </a:xfrm>
+      </p:grpSpPr>
+      <p:sp>
+        <p:nvSpPr>
+          <p:cNvPr id="7" name="Rectangle 7">
+            <a:extLst>
+              <a:ext uri="{FF2B5EF4-FFF2-40B4-BE49-F238E27FC236}">
+                <a16:creationId xmlns:a16="http://schemas.microsoft.com/office/drawing/2014/main" id="{442DD959-782F-0A4B-AC9C-64CAC32AE8D5}"/>
+              </a:ext>
+            </a:extLst>
+          </p:cNvPr>
+          <p:cNvSpPr>
+            <a:spLocks noGrp="1" noChangeArrowheads="1"/>
+          </p:cNvSpPr>
+          <p:nvPr>
+            <p:ph type="sldNum" sz="quarter" idx="5"/>
+          </p:nvPr>
+        </p:nvSpPr>
+        <p:spPr/>
+        <p:txBody>
+          <a:bodyPr/>
+          <a:lstStyle/>
+          <a:p>
+            <a:pPr>
+              <a:defRPr/>
+            </a:pPr>
+            <a:fld id="{781F3CA7-8E8B-5445-8D7A-6D3BD2A3EE3B}" type="slidenum">
+              <a:rPr lang="en-US" altLang="en-US"/>
+              <a:pPr>
+                <a:defRPr/>
+              </a:pPr>
+              <a:t>5</a:t>
+            </a:fld>
+            <a:endParaRPr lang="en-US" altLang="en-US"/>
+          </a:p>
+        </p:txBody>
+      </p:sp>
+      <p:sp>
+        <p:nvSpPr>
+          <p:cNvPr id="7170" name="Rectangle 2">
+            <a:extLst>
+              <a:ext uri="{FF2B5EF4-FFF2-40B4-BE49-F238E27FC236}">
+                <a16:creationId xmlns:a16="http://schemas.microsoft.com/office/drawing/2014/main" id="{C572A238-911E-3946-912A-4B3B5F9613E5}"/>
+              </a:ext>
+            </a:extLst>
+          </p:cNvPr>
+          <p:cNvSpPr>
+            <a:spLocks noGrp="1" noRot="1" noChangeAspect="1" noChangeArrowheads="1" noTextEdit="1"/>
+          </p:cNvSpPr>
+          <p:nvPr>
+            <p:ph type="sldImg"/>
+          </p:nvPr>
+        </p:nvSpPr>
+        <p:spPr>
+          <a:ln/>
+        </p:spPr>
+      </p:sp>
+      <p:sp>
+        <p:nvSpPr>
+          <p:cNvPr id="7171" name="Rectangle 3">
+            <a:extLst>
+              <a:ext uri="{FF2B5EF4-FFF2-40B4-BE49-F238E27FC236}">
+                <a16:creationId xmlns:a16="http://schemas.microsoft.com/office/drawing/2014/main" id="{24B0B73A-F69C-D144-B64B-1B94C339CD8A}"/>
+              </a:ext>
+            </a:extLst>
+          </p:cNvPr>
+          <p:cNvSpPr>
+            <a:spLocks noGrp="1" noChangeArrowheads="1"/>
+          </p:cNvSpPr>
+          <p:nvPr>
+            <p:ph type="body" idx="1"/>
+          </p:nvPr>
+        </p:nvSpPr>
+        <p:spPr/>
+        <p:txBody>
+          <a:bodyPr/>
+          <a:lstStyle/>
+          <a:p>
+            <a:pPr eaLnBrk="1" hangingPunct="1">
+              <a:defRPr/>
+            </a:pPr>
+            <a:endParaRPr lang="en-US" altLang="en-US"/>
+          </a:p>
+        </p:txBody>
+      </p:sp>
+    </p:spTree>
+    <p:extLst>
+      <p:ext uri="{BB962C8B-B14F-4D97-AF65-F5344CB8AC3E}">
+        <p14:creationId xmlns:p14="http://schemas.microsoft.com/office/powerpoint/2010/main" val="712007669"/>
+      </p:ext>
+    </p:extLst>
+  </p:cSld>
+  <p:clrMapOvr>
+    <a:masterClrMapping/>
+  </p:clrMapOvr>
+</p:notes>
+</file>
+
+<file path=ppt/notesSlides/notesSlide6.xml><?xml version="1.0" encoding="utf-8"?>
+<p:notes xmlns:a="http://schemas.openxmlformats.org/drawingml/2006/main" xmlns:r="http://schemas.openxmlformats.org/officeDocument/2006/relationships" xmlns:p="http://schemas.openxmlformats.org/presentationml/2006/main">
+  <p:cSld>
+    <p:spTree>
+      <p:nvGrpSpPr>
+        <p:cNvPr id="1" name=""/>
+        <p:cNvGrpSpPr/>
+        <p:nvPr/>
+      </p:nvGrpSpPr>
+      <p:grpSpPr>
+        <a:xfrm>
+          <a:off x="0" y="0"/>
+          <a:ext cx="0" cy="0"/>
+          <a:chOff x="0" y="0"/>
+          <a:chExt cx="0" cy="0"/>
+        </a:xfrm>
+      </p:grpSpPr>
+      <p:sp>
+        <p:nvSpPr>
+          <p:cNvPr id="7" name="Rectangle 7">
+            <a:extLst>
+              <a:ext uri="{FF2B5EF4-FFF2-40B4-BE49-F238E27FC236}">
+                <a16:creationId xmlns:a16="http://schemas.microsoft.com/office/drawing/2014/main" id="{442DD959-782F-0A4B-AC9C-64CAC32AE8D5}"/>
+              </a:ext>
+            </a:extLst>
+          </p:cNvPr>
+          <p:cNvSpPr>
+            <a:spLocks noGrp="1" noChangeArrowheads="1"/>
+          </p:cNvSpPr>
+          <p:nvPr>
+            <p:ph type="sldNum" sz="quarter" idx="5"/>
+          </p:nvPr>
+        </p:nvSpPr>
+        <p:spPr/>
+        <p:txBody>
+          <a:bodyPr/>
+          <a:lstStyle/>
+          <a:p>
+            <a:pPr>
+              <a:defRPr/>
+            </a:pPr>
+            <a:fld id="{781F3CA7-8E8B-5445-8D7A-6D3BD2A3EE3B}" type="slidenum">
+              <a:rPr lang="en-US" altLang="en-US"/>
+              <a:pPr>
+                <a:defRPr/>
+              </a:pPr>
+              <a:t>6</a:t>
+            </a:fld>
+            <a:endParaRPr lang="en-US" altLang="en-US"/>
+          </a:p>
+        </p:txBody>
+      </p:sp>
+      <p:sp>
+        <p:nvSpPr>
+          <p:cNvPr id="7170" name="Rectangle 2">
+            <a:extLst>
+              <a:ext uri="{FF2B5EF4-FFF2-40B4-BE49-F238E27FC236}">
+                <a16:creationId xmlns:a16="http://schemas.microsoft.com/office/drawing/2014/main" id="{C572A238-911E-3946-912A-4B3B5F9613E5}"/>
+              </a:ext>
+            </a:extLst>
+          </p:cNvPr>
+          <p:cNvSpPr>
+            <a:spLocks noGrp="1" noRot="1" noChangeAspect="1" noChangeArrowheads="1" noTextEdit="1"/>
+          </p:cNvSpPr>
+          <p:nvPr>
+            <p:ph type="sldImg"/>
+          </p:nvPr>
+        </p:nvSpPr>
+        <p:spPr>
+          <a:ln/>
+        </p:spPr>
+      </p:sp>
+      <p:sp>
+        <p:nvSpPr>
+          <p:cNvPr id="7171" name="Rectangle 3">
+            <a:extLst>
+              <a:ext uri="{FF2B5EF4-FFF2-40B4-BE49-F238E27FC236}">
+                <a16:creationId xmlns:a16="http://schemas.microsoft.com/office/drawing/2014/main" id="{24B0B73A-F69C-D144-B64B-1B94C339CD8A}"/>
+              </a:ext>
+            </a:extLst>
+          </p:cNvPr>
+          <p:cNvSpPr>
+            <a:spLocks noGrp="1" noChangeArrowheads="1"/>
+          </p:cNvSpPr>
+          <p:nvPr>
+            <p:ph type="body" idx="1"/>
+          </p:nvPr>
+        </p:nvSpPr>
+        <p:spPr/>
+        <p:txBody>
+          <a:bodyPr/>
+          <a:lstStyle/>
+          <a:p>
+            <a:pPr eaLnBrk="1" hangingPunct="1">
+              <a:defRPr/>
+            </a:pPr>
+            <a:endParaRPr lang="en-US" altLang="en-US"/>
+          </a:p>
+        </p:txBody>
+      </p:sp>
+    </p:spTree>
+    <p:extLst>
+      <p:ext uri="{BB962C8B-B14F-4D97-AF65-F5344CB8AC3E}">
+        <p14:creationId xmlns:p14="http://schemas.microsoft.com/office/powerpoint/2010/main" val="1569566154"/>
+      </p:ext>
+    </p:extLst>
+  </p:cSld>
+  <p:clrMapOvr>
+    <a:masterClrMapping/>
+  </p:clrMapOvr>
+</p:notes>
+</file>
+
+<file path=ppt/notesSlides/notesSlide7.xml><?xml version="1.0" encoding="utf-8"?>
+<p:notes xmlns:a="http://schemas.openxmlformats.org/drawingml/2006/main" xmlns:r="http://schemas.openxmlformats.org/officeDocument/2006/relationships" xmlns:p="http://schemas.openxmlformats.org/presentationml/2006/main">
+  <p:cSld>
+    <p:spTree>
+      <p:nvGrpSpPr>
+        <p:cNvPr id="1" name=""/>
+        <p:cNvGrpSpPr/>
+        <p:nvPr/>
+      </p:nvGrpSpPr>
+      <p:grpSpPr>
+        <a:xfrm>
+          <a:off x="0" y="0"/>
+          <a:ext cx="0" cy="0"/>
+          <a:chOff x="0" y="0"/>
+          <a:chExt cx="0" cy="0"/>
+        </a:xfrm>
+      </p:grpSpPr>
+      <p:sp>
+        <p:nvSpPr>
+          <p:cNvPr id="7" name="Rectangle 7">
+            <a:extLst>
+              <a:ext uri="{FF2B5EF4-FFF2-40B4-BE49-F238E27FC236}">
+                <a16:creationId xmlns:a16="http://schemas.microsoft.com/office/drawing/2014/main" id="{442DD959-782F-0A4B-AC9C-64CAC32AE8D5}"/>
+              </a:ext>
+            </a:extLst>
+          </p:cNvPr>
+          <p:cNvSpPr>
+            <a:spLocks noGrp="1" noChangeArrowheads="1"/>
+          </p:cNvSpPr>
+          <p:nvPr>
+            <p:ph type="sldNum" sz="quarter" idx="5"/>
+          </p:nvPr>
+        </p:nvSpPr>
+        <p:spPr/>
+        <p:txBody>
+          <a:bodyPr/>
+          <a:lstStyle/>
+          <a:p>
+            <a:pPr>
+              <a:defRPr/>
+            </a:pPr>
+            <a:fld id="{781F3CA7-8E8B-5445-8D7A-6D3BD2A3EE3B}" type="slidenum">
+              <a:rPr lang="en-US" altLang="en-US"/>
+              <a:pPr>
+                <a:defRPr/>
+              </a:pPr>
+              <a:t>7</a:t>
+            </a:fld>
+            <a:endParaRPr lang="en-US" altLang="en-US"/>
+          </a:p>
+        </p:txBody>
+      </p:sp>
+      <p:sp>
+        <p:nvSpPr>
+          <p:cNvPr id="7170" name="Rectangle 2">
+            <a:extLst>
+              <a:ext uri="{FF2B5EF4-FFF2-40B4-BE49-F238E27FC236}">
+                <a16:creationId xmlns:a16="http://schemas.microsoft.com/office/drawing/2014/main" id="{C572A238-911E-3946-912A-4B3B5F9613E5}"/>
+              </a:ext>
+            </a:extLst>
+          </p:cNvPr>
+          <p:cNvSpPr>
+            <a:spLocks noGrp="1" noRot="1" noChangeAspect="1" noChangeArrowheads="1" noTextEdit="1"/>
+          </p:cNvSpPr>
+          <p:nvPr>
+            <p:ph type="sldImg"/>
+          </p:nvPr>
+        </p:nvSpPr>
+        <p:spPr>
+          <a:ln/>
+        </p:spPr>
+      </p:sp>
+      <p:sp>
+        <p:nvSpPr>
+          <p:cNvPr id="7171" name="Rectangle 3">
+            <a:extLst>
+              <a:ext uri="{FF2B5EF4-FFF2-40B4-BE49-F238E27FC236}">
+                <a16:creationId xmlns:a16="http://schemas.microsoft.com/office/drawing/2014/main" id="{24B0B73A-F69C-D144-B64B-1B94C339CD8A}"/>
+              </a:ext>
+            </a:extLst>
+          </p:cNvPr>
+          <p:cNvSpPr>
+            <a:spLocks noGrp="1" noChangeArrowheads="1"/>
+          </p:cNvSpPr>
+          <p:nvPr>
+            <p:ph type="body" idx="1"/>
+          </p:nvPr>
+        </p:nvSpPr>
+        <p:spPr/>
+        <p:txBody>
+          <a:bodyPr/>
+          <a:lstStyle/>
+          <a:p>
+            <a:pPr eaLnBrk="1" hangingPunct="1">
+              <a:defRPr/>
+            </a:pPr>
+            <a:endParaRPr lang="en-US" altLang="en-US"/>
+          </a:p>
+        </p:txBody>
+      </p:sp>
+    </p:spTree>
+    <p:extLst>
+      <p:ext uri="{BB962C8B-B14F-4D97-AF65-F5344CB8AC3E}">
+        <p14:creationId xmlns:p14="http://schemas.microsoft.com/office/powerpoint/2010/main" val="2858130290"/>
+      </p:ext>
+    </p:extLst>
+  </p:cSld>
+  <p:clrMapOvr>
+    <a:masterClrMapping/>
+  </p:clrMapOvr>
+</p:notes>
+</file>
+
+<file path=ppt/notesSlides/notesSlide8.xml><?xml version="1.0" encoding="utf-8"?>
+<p:notes xmlns:a="http://schemas.openxmlformats.org/drawingml/2006/main" xmlns:r="http://schemas.openxmlformats.org/officeDocument/2006/relationships" xmlns:p="http://schemas.openxmlformats.org/presentationml/2006/main">
+  <p:cSld>
+    <p:spTree>
+      <p:nvGrpSpPr>
+        <p:cNvPr id="1" name=""/>
+        <p:cNvGrpSpPr/>
+        <p:nvPr/>
+      </p:nvGrpSpPr>
+      <p:grpSpPr>
+        <a:xfrm>
+          <a:off x="0" y="0"/>
+          <a:ext cx="0" cy="0"/>
+          <a:chOff x="0" y="0"/>
+          <a:chExt cx="0" cy="0"/>
+        </a:xfrm>
+      </p:grpSpPr>
+      <p:sp>
+        <p:nvSpPr>
+          <p:cNvPr id="7" name="Rectangle 7">
+            <a:extLst>
+              <a:ext uri="{FF2B5EF4-FFF2-40B4-BE49-F238E27FC236}">
+                <a16:creationId xmlns:a16="http://schemas.microsoft.com/office/drawing/2014/main" id="{442DD959-782F-0A4B-AC9C-64CAC32AE8D5}"/>
+              </a:ext>
+            </a:extLst>
+          </p:cNvPr>
+          <p:cNvSpPr>
+            <a:spLocks noGrp="1" noChangeArrowheads="1"/>
+          </p:cNvSpPr>
+          <p:nvPr>
+            <p:ph type="sldNum" sz="quarter" idx="5"/>
+          </p:nvPr>
+        </p:nvSpPr>
+        <p:spPr/>
+        <p:txBody>
+          <a:bodyPr/>
+          <a:lstStyle/>
+          <a:p>
+            <a:pPr>
+              <a:defRPr/>
+            </a:pPr>
+            <a:fld id="{781F3CA7-8E8B-5445-8D7A-6D3BD2A3EE3B}" type="slidenum">
+              <a:rPr lang="en-US" altLang="en-US"/>
+              <a:pPr>
+                <a:defRPr/>
+              </a:pPr>
+              <a:t>8</a:t>
+            </a:fld>
+            <a:endParaRPr lang="en-US" altLang="en-US"/>
+          </a:p>
+        </p:txBody>
+      </p:sp>
+      <p:sp>
+        <p:nvSpPr>
+          <p:cNvPr id="7170" name="Rectangle 2">
+            <a:extLst>
+              <a:ext uri="{FF2B5EF4-FFF2-40B4-BE49-F238E27FC236}">
+                <a16:creationId xmlns:a16="http://schemas.microsoft.com/office/drawing/2014/main" id="{C572A238-911E-3946-912A-4B3B5F9613E5}"/>
+              </a:ext>
+            </a:extLst>
+          </p:cNvPr>
+          <p:cNvSpPr>
+            <a:spLocks noGrp="1" noRot="1" noChangeAspect="1" noChangeArrowheads="1" noTextEdit="1"/>
+          </p:cNvSpPr>
+          <p:nvPr>
+            <p:ph type="sldImg"/>
+          </p:nvPr>
+        </p:nvSpPr>
+        <p:spPr>
+          <a:ln/>
+        </p:spPr>
+      </p:sp>
+      <p:sp>
+        <p:nvSpPr>
+          <p:cNvPr id="7171" name="Rectangle 3">
+            <a:extLst>
+              <a:ext uri="{FF2B5EF4-FFF2-40B4-BE49-F238E27FC236}">
+                <a16:creationId xmlns:a16="http://schemas.microsoft.com/office/drawing/2014/main" id="{24B0B73A-F69C-D144-B64B-1B94C339CD8A}"/>
+              </a:ext>
+            </a:extLst>
+          </p:cNvPr>
+          <p:cNvSpPr>
+            <a:spLocks noGrp="1" noChangeArrowheads="1"/>
+          </p:cNvSpPr>
+          <p:nvPr>
+            <p:ph type="body" idx="1"/>
+          </p:nvPr>
+        </p:nvSpPr>
+        <p:spPr/>
+        <p:txBody>
+          <a:bodyPr/>
+          <a:lstStyle/>
+          <a:p>
+            <a:pPr eaLnBrk="1" hangingPunct="1">
+              <a:defRPr/>
+            </a:pPr>
+            <a:endParaRPr lang="en-US" altLang="en-US"/>
+          </a:p>
+        </p:txBody>
+      </p:sp>
+    </p:spTree>
+    <p:extLst>
+      <p:ext uri="{BB962C8B-B14F-4D97-AF65-F5344CB8AC3E}">
+        <p14:creationId xmlns:p14="http://schemas.microsoft.com/office/powerpoint/2010/main" val="426259177"/>
+      </p:ext>
+    </p:extLst>
   </p:cSld>
   <p:clrMapOvr>
     <a:masterClrMapping/>
@@ -5144,7 +5833,7 @@
               <a:defRPr/>
             </a:pPr>
             <a:r>
-              <a:rPr lang="en-US" altLang="en-US"/>
+              <a:rPr lang="en-US" altLang="en-US" dirty="0"/>
               <a:t>Presentation Title</a:t>
             </a:r>
           </a:p>
@@ -5519,6 +6208,2058 @@
         </p:txBody>
       </p:sp>
     </p:spTree>
+  </p:cSld>
+  <p:clrMapOvr>
+    <a:masterClrMapping/>
+  </p:clrMapOvr>
+</p:sld>
+</file>
+
+<file path=ppt/slides/slide3.xml><?xml version="1.0" encoding="utf-8"?>
+<p:sld xmlns:a="http://schemas.openxmlformats.org/drawingml/2006/main" xmlns:r="http://schemas.openxmlformats.org/officeDocument/2006/relationships" xmlns:p="http://schemas.openxmlformats.org/presentationml/2006/main">
+  <p:cSld>
+    <p:spTree>
+      <p:nvGrpSpPr>
+        <p:cNvPr id="1" name=""/>
+        <p:cNvGrpSpPr/>
+        <p:nvPr/>
+      </p:nvGrpSpPr>
+      <p:grpSpPr>
+        <a:xfrm>
+          <a:off x="0" y="0"/>
+          <a:ext cx="0" cy="0"/>
+          <a:chOff x="0" y="0"/>
+          <a:chExt cx="0" cy="0"/>
+        </a:xfrm>
+      </p:grpSpPr>
+      <p:sp>
+        <p:nvSpPr>
+          <p:cNvPr id="5" name="Footer Placeholder 3">
+            <a:extLst>
+              <a:ext uri="{FF2B5EF4-FFF2-40B4-BE49-F238E27FC236}">
+                <a16:creationId xmlns:a16="http://schemas.microsoft.com/office/drawing/2014/main" id="{28D58CE5-4FD6-0F4B-AAE8-E8BA782C2263}"/>
+              </a:ext>
+            </a:extLst>
+          </p:cNvPr>
+          <p:cNvSpPr>
+            <a:spLocks noGrp="1"/>
+          </p:cNvSpPr>
+          <p:nvPr>
+            <p:ph type="ftr" sz="quarter" idx="10"/>
+          </p:nvPr>
+        </p:nvSpPr>
+        <p:spPr/>
+        <p:txBody>
+          <a:bodyPr/>
+          <a:lstStyle/>
+          <a:p>
+            <a:pPr>
+              <a:defRPr/>
+            </a:pPr>
+            <a:r>
+              <a:rPr lang="en-US" altLang="en-US"/>
+              <a:t>Presentation Title</a:t>
+            </a:r>
+          </a:p>
+        </p:txBody>
+      </p:sp>
+      <p:sp>
+        <p:nvSpPr>
+          <p:cNvPr id="6" name="Date Placeholder 4">
+            <a:extLst>
+              <a:ext uri="{FF2B5EF4-FFF2-40B4-BE49-F238E27FC236}">
+                <a16:creationId xmlns:a16="http://schemas.microsoft.com/office/drawing/2014/main" id="{1D05D912-DD76-9740-BD4A-8BDD6BFF8E1F}"/>
+              </a:ext>
+            </a:extLst>
+          </p:cNvPr>
+          <p:cNvSpPr>
+            <a:spLocks noGrp="1"/>
+          </p:cNvSpPr>
+          <p:nvPr>
+            <p:ph type="dt" sz="quarter" idx="11"/>
+          </p:nvPr>
+        </p:nvSpPr>
+        <p:spPr/>
+        <p:txBody>
+          <a:bodyPr/>
+          <a:lstStyle/>
+          <a:p>
+            <a:pPr>
+              <a:defRPr/>
+            </a:pPr>
+            <a:r>
+              <a:rPr lang="en-US" altLang="en-US"/>
+              <a:t>2/3/08  </a:t>
+            </a:r>
+            <a:fld id="{82DD7A96-85F9-454B-A1B3-FA2F0A06CD82}" type="slidenum">
+              <a:rPr lang="en-US" altLang="en-US"/>
+              <a:pPr>
+                <a:defRPr/>
+              </a:pPr>
+              <a:t>3</a:t>
+            </a:fld>
+            <a:endParaRPr lang="en-US" altLang="en-US" baseline="0"/>
+          </a:p>
+        </p:txBody>
+      </p:sp>
+      <p:sp>
+        <p:nvSpPr>
+          <p:cNvPr id="5122" name="Rectangle 2">
+            <a:extLst>
+              <a:ext uri="{FF2B5EF4-FFF2-40B4-BE49-F238E27FC236}">
+                <a16:creationId xmlns:a16="http://schemas.microsoft.com/office/drawing/2014/main" id="{0D0038A4-6B2C-3742-8BBF-FB4C15FD56EA}"/>
+              </a:ext>
+            </a:extLst>
+          </p:cNvPr>
+          <p:cNvSpPr>
+            <a:spLocks noGrp="1" noChangeArrowheads="1"/>
+          </p:cNvSpPr>
+          <p:nvPr>
+            <p:ph type="title"/>
+          </p:nvPr>
+        </p:nvSpPr>
+        <p:spPr/>
+        <p:txBody>
+          <a:bodyPr/>
+          <a:lstStyle/>
+          <a:p>
+            <a:pPr eaLnBrk="1" hangingPunct="1">
+              <a:defRPr/>
+            </a:pPr>
+            <a:r>
+              <a:rPr lang="en-US" altLang="en-US" b="1"/>
+              <a:t>Editing</a:t>
+            </a:r>
+            <a:r>
+              <a:rPr lang="en-US" altLang="en-US"/>
+              <a:t> this Template</a:t>
+            </a:r>
+          </a:p>
+        </p:txBody>
+      </p:sp>
+      <p:sp>
+        <p:nvSpPr>
+          <p:cNvPr id="5123" name="Rectangle 3">
+            <a:extLst>
+              <a:ext uri="{FF2B5EF4-FFF2-40B4-BE49-F238E27FC236}">
+                <a16:creationId xmlns:a16="http://schemas.microsoft.com/office/drawing/2014/main" id="{AF6E546E-3341-DF4F-BD1B-C26644215F10}"/>
+              </a:ext>
+            </a:extLst>
+          </p:cNvPr>
+          <p:cNvSpPr>
+            <a:spLocks noGrp="1" noChangeArrowheads="1"/>
+          </p:cNvSpPr>
+          <p:nvPr>
+            <p:ph type="body" idx="1"/>
+          </p:nvPr>
+        </p:nvSpPr>
+        <p:spPr/>
+        <p:txBody>
+          <a:bodyPr/>
+          <a:lstStyle/>
+          <a:p>
+            <a:pPr eaLnBrk="1" hangingPunct="1">
+              <a:buClr>
+                <a:srgbClr val="CC0000"/>
+              </a:buClr>
+              <a:buFont typeface="Wingdings" charset="2"/>
+              <a:buChar char="§"/>
+              <a:defRPr/>
+            </a:pPr>
+            <a:r>
+              <a:rPr lang="en-US" sz="1800" dirty="0"/>
+              <a:t>The info at the top of the slide can be changed. Simply go to the </a:t>
+            </a:r>
+            <a:r>
+              <a:rPr lang="en-US" sz="1800" b="1" dirty="0"/>
+              <a:t>View</a:t>
+            </a:r>
+            <a:r>
+              <a:rPr lang="en-US" sz="1800" dirty="0"/>
+              <a:t> drop-down menu, select </a:t>
+            </a:r>
+            <a:r>
+              <a:rPr lang="en-US" sz="1800" b="1" dirty="0"/>
+              <a:t>Header and Footer</a:t>
+            </a:r>
+            <a:r>
+              <a:rPr lang="en-US" sz="1800" dirty="0"/>
+              <a:t>, and make your edits in the box that appears.</a:t>
+            </a:r>
+          </a:p>
+          <a:p>
+            <a:pPr lvl="1" eaLnBrk="1" hangingPunct="1">
+              <a:buClr>
+                <a:srgbClr val="CC0000"/>
+              </a:buClr>
+              <a:buFont typeface="Wingdings" charset="2"/>
+              <a:buChar char="§"/>
+              <a:defRPr/>
+            </a:pPr>
+            <a:r>
+              <a:rPr lang="en-US" dirty="0"/>
+              <a:t>The Header and Footer menu can also be used to enable/disable automatic slide numbering. </a:t>
+            </a:r>
+            <a:br>
+              <a:rPr lang="en-US" dirty="0"/>
+            </a:br>
+            <a:endParaRPr lang="en-US" dirty="0"/>
+          </a:p>
+          <a:p>
+            <a:pPr eaLnBrk="1" hangingPunct="1">
+              <a:buClr>
+                <a:srgbClr val="CC0000"/>
+              </a:buClr>
+              <a:buFont typeface="Wingdings" charset="2"/>
+              <a:buChar char="§"/>
+              <a:defRPr/>
+            </a:pPr>
+            <a:r>
+              <a:rPr lang="en-US" sz="1800" dirty="0"/>
+              <a:t>To change the school name in the footer, go to the </a:t>
+            </a:r>
+            <a:r>
+              <a:rPr lang="en-US" sz="1800" b="1" dirty="0"/>
+              <a:t>View</a:t>
+            </a:r>
+            <a:r>
+              <a:rPr lang="en-US" sz="1800" dirty="0"/>
+              <a:t> drop-down menu and select </a:t>
+            </a:r>
+            <a:r>
+              <a:rPr lang="en-US" sz="1800" b="1" dirty="0"/>
+              <a:t>Master</a:t>
+            </a:r>
+            <a:r>
+              <a:rPr lang="en-US" sz="1800" dirty="0"/>
+              <a:t>, then </a:t>
+            </a:r>
+            <a:r>
+              <a:rPr lang="en-US" sz="1800" b="1" dirty="0"/>
+              <a:t>Slide Master</a:t>
+            </a:r>
+            <a:r>
+              <a:rPr lang="en-US" sz="1800" dirty="0"/>
+              <a:t>. Click on “School/college name here” and update accordingly. </a:t>
+            </a:r>
+          </a:p>
+          <a:p>
+            <a:pPr lvl="1" eaLnBrk="1" hangingPunct="1">
+              <a:buClr>
+                <a:srgbClr val="CC0000"/>
+              </a:buClr>
+              <a:buFont typeface="Wingdings" charset="2"/>
+              <a:buChar char="§"/>
+              <a:defRPr/>
+            </a:pPr>
+            <a:r>
+              <a:rPr lang="en-US" dirty="0"/>
+              <a:t>Please note: To appear on all slides of your presentation, this change must be made on both of the first two slides of the master.</a:t>
+            </a:r>
+          </a:p>
+          <a:p>
+            <a:pPr lvl="1" eaLnBrk="1" hangingPunct="1">
+              <a:buClr>
+                <a:srgbClr val="CC0000"/>
+              </a:buClr>
+              <a:buFont typeface="Wingdings" charset="2"/>
+              <a:buChar char="§"/>
+              <a:defRPr/>
+            </a:pPr>
+            <a:endParaRPr lang="en-US" altLang="en-US" dirty="0"/>
+          </a:p>
+        </p:txBody>
+      </p:sp>
+      <p:sp>
+        <p:nvSpPr>
+          <p:cNvPr id="5127" name="Rectangle 7">
+            <a:extLst>
+              <a:ext uri="{FF2B5EF4-FFF2-40B4-BE49-F238E27FC236}">
+                <a16:creationId xmlns:a16="http://schemas.microsoft.com/office/drawing/2014/main" id="{8C5ABBE5-C171-BF4E-9C07-76830C124AC7}"/>
+              </a:ext>
+            </a:extLst>
+          </p:cNvPr>
+          <p:cNvSpPr>
+            <a:spLocks noChangeArrowheads="1"/>
+          </p:cNvSpPr>
+          <p:nvPr/>
+        </p:nvSpPr>
+        <p:spPr bwMode="auto">
+          <a:xfrm>
+            <a:off x="-2060575" y="-676275"/>
+            <a:ext cx="184150" cy="457200"/>
+          </a:xfrm>
+          <a:prstGeom prst="rect">
+            <a:avLst/>
+          </a:prstGeom>
+          <a:noFill/>
+          <a:ln>
+            <a:noFill/>
+          </a:ln>
+          <a:effectLst/>
+          <a:extLst>
+            <a:ext uri="{909E8E84-426E-40DD-AFC4-6F175D3DCCD1}">
+              <a14:hiddenFill xmlns:a14="http://schemas.microsoft.com/office/drawing/2010/main">
+                <a:solidFill>
+                  <a:schemeClr val="accent1"/>
+                </a:solidFill>
+              </a14:hiddenFill>
+            </a:ext>
+            <a:ext uri="{91240B29-F687-4F45-9708-019B960494DF}">
+              <a14:hiddenLine xmlns:a14="http://schemas.microsoft.com/office/drawing/2010/main" w="9525">
+                <a:solidFill>
+                  <a:schemeClr val="tx1"/>
+                </a:solidFill>
+                <a:miter lim="800000"/>
+                <a:headEnd/>
+                <a:tailEnd/>
+              </a14:hiddenLine>
+            </a:ext>
+            <a:ext uri="{AF507438-7753-43E0-B8FC-AC1667EBCBE1}">
+              <a14:hiddenEffects xmlns:a14="http://schemas.microsoft.com/office/drawing/2010/main">
+                <a:effectLst>
+                  <a:outerShdw blurRad="63500" dist="38099" dir="2700000" algn="ctr" rotWithShape="0">
+                    <a:schemeClr val="bg2">
+                      <a:alpha val="74998"/>
+                    </a:schemeClr>
+                  </a:outerShdw>
+                </a:effectLst>
+              </a14:hiddenEffects>
+            </a:ext>
+          </a:extLst>
+        </p:spPr>
+        <p:txBody>
+          <a:bodyPr wrap="none">
+            <a:spAutoFit/>
+          </a:bodyPr>
+          <a:lstStyle/>
+          <a:p>
+            <a:pPr>
+              <a:defRPr/>
+            </a:pPr>
+            <a:endParaRPr lang="en-US" altLang="en-US">
+              <a:latin typeface="Arial" charset="0"/>
+              <a:ea typeface="Osaka" charset="0"/>
+            </a:endParaRPr>
+          </a:p>
+        </p:txBody>
+      </p:sp>
+    </p:spTree>
+    <p:extLst>
+      <p:ext uri="{BB962C8B-B14F-4D97-AF65-F5344CB8AC3E}">
+        <p14:creationId xmlns:p14="http://schemas.microsoft.com/office/powerpoint/2010/main" val="3038045968"/>
+      </p:ext>
+    </p:extLst>
+  </p:cSld>
+  <p:clrMapOvr>
+    <a:masterClrMapping/>
+  </p:clrMapOvr>
+</p:sld>
+</file>
+
+<file path=ppt/slides/slide4.xml><?xml version="1.0" encoding="utf-8"?>
+<p:sld xmlns:a="http://schemas.openxmlformats.org/drawingml/2006/main" xmlns:r="http://schemas.openxmlformats.org/officeDocument/2006/relationships" xmlns:p="http://schemas.openxmlformats.org/presentationml/2006/main">
+  <p:cSld>
+    <p:spTree>
+      <p:nvGrpSpPr>
+        <p:cNvPr id="1" name=""/>
+        <p:cNvGrpSpPr/>
+        <p:nvPr/>
+      </p:nvGrpSpPr>
+      <p:grpSpPr>
+        <a:xfrm>
+          <a:off x="0" y="0"/>
+          <a:ext cx="0" cy="0"/>
+          <a:chOff x="0" y="0"/>
+          <a:chExt cx="0" cy="0"/>
+        </a:xfrm>
+      </p:grpSpPr>
+      <p:sp>
+        <p:nvSpPr>
+          <p:cNvPr id="5" name="Footer Placeholder 3">
+            <a:extLst>
+              <a:ext uri="{FF2B5EF4-FFF2-40B4-BE49-F238E27FC236}">
+                <a16:creationId xmlns:a16="http://schemas.microsoft.com/office/drawing/2014/main" id="{28D58CE5-4FD6-0F4B-AAE8-E8BA782C2263}"/>
+              </a:ext>
+            </a:extLst>
+          </p:cNvPr>
+          <p:cNvSpPr>
+            <a:spLocks noGrp="1"/>
+          </p:cNvSpPr>
+          <p:nvPr>
+            <p:ph type="ftr" sz="quarter" idx="10"/>
+          </p:nvPr>
+        </p:nvSpPr>
+        <p:spPr/>
+        <p:txBody>
+          <a:bodyPr/>
+          <a:lstStyle/>
+          <a:p>
+            <a:pPr>
+              <a:defRPr/>
+            </a:pPr>
+            <a:r>
+              <a:rPr lang="en-US" altLang="en-US"/>
+              <a:t>Presentation Title</a:t>
+            </a:r>
+          </a:p>
+        </p:txBody>
+      </p:sp>
+      <p:sp>
+        <p:nvSpPr>
+          <p:cNvPr id="6" name="Date Placeholder 4">
+            <a:extLst>
+              <a:ext uri="{FF2B5EF4-FFF2-40B4-BE49-F238E27FC236}">
+                <a16:creationId xmlns:a16="http://schemas.microsoft.com/office/drawing/2014/main" id="{1D05D912-DD76-9740-BD4A-8BDD6BFF8E1F}"/>
+              </a:ext>
+            </a:extLst>
+          </p:cNvPr>
+          <p:cNvSpPr>
+            <a:spLocks noGrp="1"/>
+          </p:cNvSpPr>
+          <p:nvPr>
+            <p:ph type="dt" sz="quarter" idx="11"/>
+          </p:nvPr>
+        </p:nvSpPr>
+        <p:spPr/>
+        <p:txBody>
+          <a:bodyPr/>
+          <a:lstStyle/>
+          <a:p>
+            <a:pPr>
+              <a:defRPr/>
+            </a:pPr>
+            <a:r>
+              <a:rPr lang="en-US" altLang="en-US"/>
+              <a:t>2/3/08  </a:t>
+            </a:r>
+            <a:fld id="{82DD7A96-85F9-454B-A1B3-FA2F0A06CD82}" type="slidenum">
+              <a:rPr lang="en-US" altLang="en-US"/>
+              <a:pPr>
+                <a:defRPr/>
+              </a:pPr>
+              <a:t>4</a:t>
+            </a:fld>
+            <a:endParaRPr lang="en-US" altLang="en-US" baseline="0"/>
+          </a:p>
+        </p:txBody>
+      </p:sp>
+      <p:sp>
+        <p:nvSpPr>
+          <p:cNvPr id="5122" name="Rectangle 2">
+            <a:extLst>
+              <a:ext uri="{FF2B5EF4-FFF2-40B4-BE49-F238E27FC236}">
+                <a16:creationId xmlns:a16="http://schemas.microsoft.com/office/drawing/2014/main" id="{0D0038A4-6B2C-3742-8BBF-FB4C15FD56EA}"/>
+              </a:ext>
+            </a:extLst>
+          </p:cNvPr>
+          <p:cNvSpPr>
+            <a:spLocks noGrp="1" noChangeArrowheads="1"/>
+          </p:cNvSpPr>
+          <p:nvPr>
+            <p:ph type="title"/>
+          </p:nvPr>
+        </p:nvSpPr>
+        <p:spPr/>
+        <p:txBody>
+          <a:bodyPr/>
+          <a:lstStyle/>
+          <a:p>
+            <a:pPr eaLnBrk="1" hangingPunct="1">
+              <a:defRPr/>
+            </a:pPr>
+            <a:r>
+              <a:rPr lang="en-US" altLang="en-US" b="1"/>
+              <a:t>Editing</a:t>
+            </a:r>
+            <a:r>
+              <a:rPr lang="en-US" altLang="en-US"/>
+              <a:t> this Template</a:t>
+            </a:r>
+          </a:p>
+        </p:txBody>
+      </p:sp>
+      <p:sp>
+        <p:nvSpPr>
+          <p:cNvPr id="5123" name="Rectangle 3">
+            <a:extLst>
+              <a:ext uri="{FF2B5EF4-FFF2-40B4-BE49-F238E27FC236}">
+                <a16:creationId xmlns:a16="http://schemas.microsoft.com/office/drawing/2014/main" id="{AF6E546E-3341-DF4F-BD1B-C26644215F10}"/>
+              </a:ext>
+            </a:extLst>
+          </p:cNvPr>
+          <p:cNvSpPr>
+            <a:spLocks noGrp="1" noChangeArrowheads="1"/>
+          </p:cNvSpPr>
+          <p:nvPr>
+            <p:ph type="body" idx="1"/>
+          </p:nvPr>
+        </p:nvSpPr>
+        <p:spPr/>
+        <p:txBody>
+          <a:bodyPr/>
+          <a:lstStyle/>
+          <a:p>
+            <a:pPr eaLnBrk="1" hangingPunct="1">
+              <a:buClr>
+                <a:srgbClr val="CC0000"/>
+              </a:buClr>
+              <a:buFont typeface="Wingdings" charset="2"/>
+              <a:buChar char="§"/>
+              <a:defRPr/>
+            </a:pPr>
+            <a:r>
+              <a:rPr lang="en-US" sz="1800" dirty="0"/>
+              <a:t>The info at the top of the slide can be changed. Simply go to the </a:t>
+            </a:r>
+            <a:r>
+              <a:rPr lang="en-US" sz="1800" b="1" dirty="0"/>
+              <a:t>View</a:t>
+            </a:r>
+            <a:r>
+              <a:rPr lang="en-US" sz="1800" dirty="0"/>
+              <a:t> drop-down menu, select </a:t>
+            </a:r>
+            <a:r>
+              <a:rPr lang="en-US" sz="1800" b="1" dirty="0"/>
+              <a:t>Header and Footer</a:t>
+            </a:r>
+            <a:r>
+              <a:rPr lang="en-US" sz="1800" dirty="0"/>
+              <a:t>, and make your edits in the box that appears.</a:t>
+            </a:r>
+          </a:p>
+          <a:p>
+            <a:pPr lvl="1" eaLnBrk="1" hangingPunct="1">
+              <a:buClr>
+                <a:srgbClr val="CC0000"/>
+              </a:buClr>
+              <a:buFont typeface="Wingdings" charset="2"/>
+              <a:buChar char="§"/>
+              <a:defRPr/>
+            </a:pPr>
+            <a:r>
+              <a:rPr lang="en-US" dirty="0"/>
+              <a:t>The Header and Footer menu can also be used to enable/disable automatic slide numbering. </a:t>
+            </a:r>
+            <a:br>
+              <a:rPr lang="en-US" dirty="0"/>
+            </a:br>
+            <a:endParaRPr lang="en-US" dirty="0"/>
+          </a:p>
+          <a:p>
+            <a:pPr eaLnBrk="1" hangingPunct="1">
+              <a:buClr>
+                <a:srgbClr val="CC0000"/>
+              </a:buClr>
+              <a:buFont typeface="Wingdings" charset="2"/>
+              <a:buChar char="§"/>
+              <a:defRPr/>
+            </a:pPr>
+            <a:r>
+              <a:rPr lang="en-US" sz="1800" dirty="0"/>
+              <a:t>To change the school name in the footer, go to the </a:t>
+            </a:r>
+            <a:r>
+              <a:rPr lang="en-US" sz="1800" b="1" dirty="0"/>
+              <a:t>View</a:t>
+            </a:r>
+            <a:r>
+              <a:rPr lang="en-US" sz="1800" dirty="0"/>
+              <a:t> drop-down menu and select </a:t>
+            </a:r>
+            <a:r>
+              <a:rPr lang="en-US" sz="1800" b="1" dirty="0"/>
+              <a:t>Master</a:t>
+            </a:r>
+            <a:r>
+              <a:rPr lang="en-US" sz="1800" dirty="0"/>
+              <a:t>, then </a:t>
+            </a:r>
+            <a:r>
+              <a:rPr lang="en-US" sz="1800" b="1" dirty="0"/>
+              <a:t>Slide Master</a:t>
+            </a:r>
+            <a:r>
+              <a:rPr lang="en-US" sz="1800" dirty="0"/>
+              <a:t>. Click on “School/college name here” and update accordingly. </a:t>
+            </a:r>
+          </a:p>
+          <a:p>
+            <a:pPr lvl="1" eaLnBrk="1" hangingPunct="1">
+              <a:buClr>
+                <a:srgbClr val="CC0000"/>
+              </a:buClr>
+              <a:buFont typeface="Wingdings" charset="2"/>
+              <a:buChar char="§"/>
+              <a:defRPr/>
+            </a:pPr>
+            <a:r>
+              <a:rPr lang="en-US" dirty="0"/>
+              <a:t>Please note: To appear on all slides of your presentation, this change must be made on both of the first two slides of the master.</a:t>
+            </a:r>
+          </a:p>
+          <a:p>
+            <a:pPr lvl="1" eaLnBrk="1" hangingPunct="1">
+              <a:buClr>
+                <a:srgbClr val="CC0000"/>
+              </a:buClr>
+              <a:buFont typeface="Wingdings" charset="2"/>
+              <a:buChar char="§"/>
+              <a:defRPr/>
+            </a:pPr>
+            <a:endParaRPr lang="en-US" altLang="en-US" dirty="0"/>
+          </a:p>
+        </p:txBody>
+      </p:sp>
+      <p:sp>
+        <p:nvSpPr>
+          <p:cNvPr id="5127" name="Rectangle 7">
+            <a:extLst>
+              <a:ext uri="{FF2B5EF4-FFF2-40B4-BE49-F238E27FC236}">
+                <a16:creationId xmlns:a16="http://schemas.microsoft.com/office/drawing/2014/main" id="{8C5ABBE5-C171-BF4E-9C07-76830C124AC7}"/>
+              </a:ext>
+            </a:extLst>
+          </p:cNvPr>
+          <p:cNvSpPr>
+            <a:spLocks noChangeArrowheads="1"/>
+          </p:cNvSpPr>
+          <p:nvPr/>
+        </p:nvSpPr>
+        <p:spPr bwMode="auto">
+          <a:xfrm>
+            <a:off x="-2060575" y="-676275"/>
+            <a:ext cx="184150" cy="457200"/>
+          </a:xfrm>
+          <a:prstGeom prst="rect">
+            <a:avLst/>
+          </a:prstGeom>
+          <a:noFill/>
+          <a:ln>
+            <a:noFill/>
+          </a:ln>
+          <a:effectLst/>
+          <a:extLst>
+            <a:ext uri="{909E8E84-426E-40DD-AFC4-6F175D3DCCD1}">
+              <a14:hiddenFill xmlns:a14="http://schemas.microsoft.com/office/drawing/2010/main">
+                <a:solidFill>
+                  <a:schemeClr val="accent1"/>
+                </a:solidFill>
+              </a14:hiddenFill>
+            </a:ext>
+            <a:ext uri="{91240B29-F687-4F45-9708-019B960494DF}">
+              <a14:hiddenLine xmlns:a14="http://schemas.microsoft.com/office/drawing/2010/main" w="9525">
+                <a:solidFill>
+                  <a:schemeClr val="tx1"/>
+                </a:solidFill>
+                <a:miter lim="800000"/>
+                <a:headEnd/>
+                <a:tailEnd/>
+              </a14:hiddenLine>
+            </a:ext>
+            <a:ext uri="{AF507438-7753-43E0-B8FC-AC1667EBCBE1}">
+              <a14:hiddenEffects xmlns:a14="http://schemas.microsoft.com/office/drawing/2010/main">
+                <a:effectLst>
+                  <a:outerShdw blurRad="63500" dist="38099" dir="2700000" algn="ctr" rotWithShape="0">
+                    <a:schemeClr val="bg2">
+                      <a:alpha val="74998"/>
+                    </a:schemeClr>
+                  </a:outerShdw>
+                </a:effectLst>
+              </a14:hiddenEffects>
+            </a:ext>
+          </a:extLst>
+        </p:spPr>
+        <p:txBody>
+          <a:bodyPr wrap="none">
+            <a:spAutoFit/>
+          </a:bodyPr>
+          <a:lstStyle/>
+          <a:p>
+            <a:pPr>
+              <a:defRPr/>
+            </a:pPr>
+            <a:endParaRPr lang="en-US" altLang="en-US">
+              <a:latin typeface="Arial" charset="0"/>
+              <a:ea typeface="Osaka" charset="0"/>
+            </a:endParaRPr>
+          </a:p>
+        </p:txBody>
+      </p:sp>
+    </p:spTree>
+    <p:extLst>
+      <p:ext uri="{BB962C8B-B14F-4D97-AF65-F5344CB8AC3E}">
+        <p14:creationId xmlns:p14="http://schemas.microsoft.com/office/powerpoint/2010/main" val="3801603735"/>
+      </p:ext>
+    </p:extLst>
+  </p:cSld>
+  <p:clrMapOvr>
+    <a:masterClrMapping/>
+  </p:clrMapOvr>
+</p:sld>
+</file>
+
+<file path=ppt/slides/slide5.xml><?xml version="1.0" encoding="utf-8"?>
+<p:sld xmlns:a="http://schemas.openxmlformats.org/drawingml/2006/main" xmlns:r="http://schemas.openxmlformats.org/officeDocument/2006/relationships" xmlns:p="http://schemas.openxmlformats.org/presentationml/2006/main">
+  <p:cSld>
+    <p:spTree>
+      <p:nvGrpSpPr>
+        <p:cNvPr id="1" name=""/>
+        <p:cNvGrpSpPr/>
+        <p:nvPr/>
+      </p:nvGrpSpPr>
+      <p:grpSpPr>
+        <a:xfrm>
+          <a:off x="0" y="0"/>
+          <a:ext cx="0" cy="0"/>
+          <a:chOff x="0" y="0"/>
+          <a:chExt cx="0" cy="0"/>
+        </a:xfrm>
+      </p:grpSpPr>
+      <p:sp>
+        <p:nvSpPr>
+          <p:cNvPr id="5" name="Footer Placeholder 3">
+            <a:extLst>
+              <a:ext uri="{FF2B5EF4-FFF2-40B4-BE49-F238E27FC236}">
+                <a16:creationId xmlns:a16="http://schemas.microsoft.com/office/drawing/2014/main" id="{28D58CE5-4FD6-0F4B-AAE8-E8BA782C2263}"/>
+              </a:ext>
+            </a:extLst>
+          </p:cNvPr>
+          <p:cNvSpPr>
+            <a:spLocks noGrp="1"/>
+          </p:cNvSpPr>
+          <p:nvPr>
+            <p:ph type="ftr" sz="quarter" idx="10"/>
+          </p:nvPr>
+        </p:nvSpPr>
+        <p:spPr/>
+        <p:txBody>
+          <a:bodyPr/>
+          <a:lstStyle/>
+          <a:p>
+            <a:pPr>
+              <a:defRPr/>
+            </a:pPr>
+            <a:r>
+              <a:rPr lang="en-US" altLang="en-US"/>
+              <a:t>Presentation Title</a:t>
+            </a:r>
+          </a:p>
+        </p:txBody>
+      </p:sp>
+      <p:sp>
+        <p:nvSpPr>
+          <p:cNvPr id="6" name="Date Placeholder 4">
+            <a:extLst>
+              <a:ext uri="{FF2B5EF4-FFF2-40B4-BE49-F238E27FC236}">
+                <a16:creationId xmlns:a16="http://schemas.microsoft.com/office/drawing/2014/main" id="{1D05D912-DD76-9740-BD4A-8BDD6BFF8E1F}"/>
+              </a:ext>
+            </a:extLst>
+          </p:cNvPr>
+          <p:cNvSpPr>
+            <a:spLocks noGrp="1"/>
+          </p:cNvSpPr>
+          <p:nvPr>
+            <p:ph type="dt" sz="quarter" idx="11"/>
+          </p:nvPr>
+        </p:nvSpPr>
+        <p:spPr/>
+        <p:txBody>
+          <a:bodyPr/>
+          <a:lstStyle/>
+          <a:p>
+            <a:pPr>
+              <a:defRPr/>
+            </a:pPr>
+            <a:r>
+              <a:rPr lang="en-US" altLang="en-US"/>
+              <a:t>2/3/08  </a:t>
+            </a:r>
+            <a:fld id="{82DD7A96-85F9-454B-A1B3-FA2F0A06CD82}" type="slidenum">
+              <a:rPr lang="en-US" altLang="en-US"/>
+              <a:pPr>
+                <a:defRPr/>
+              </a:pPr>
+              <a:t>5</a:t>
+            </a:fld>
+            <a:endParaRPr lang="en-US" altLang="en-US" baseline="0"/>
+          </a:p>
+        </p:txBody>
+      </p:sp>
+      <p:sp>
+        <p:nvSpPr>
+          <p:cNvPr id="5122" name="Rectangle 2">
+            <a:extLst>
+              <a:ext uri="{FF2B5EF4-FFF2-40B4-BE49-F238E27FC236}">
+                <a16:creationId xmlns:a16="http://schemas.microsoft.com/office/drawing/2014/main" id="{0D0038A4-6B2C-3742-8BBF-FB4C15FD56EA}"/>
+              </a:ext>
+            </a:extLst>
+          </p:cNvPr>
+          <p:cNvSpPr>
+            <a:spLocks noGrp="1" noChangeArrowheads="1"/>
+          </p:cNvSpPr>
+          <p:nvPr>
+            <p:ph type="title"/>
+          </p:nvPr>
+        </p:nvSpPr>
+        <p:spPr/>
+        <p:txBody>
+          <a:bodyPr/>
+          <a:lstStyle/>
+          <a:p>
+            <a:pPr eaLnBrk="1" hangingPunct="1">
+              <a:defRPr/>
+            </a:pPr>
+            <a:r>
+              <a:rPr lang="en-US" altLang="en-US" b="1"/>
+              <a:t>Editing</a:t>
+            </a:r>
+            <a:r>
+              <a:rPr lang="en-US" altLang="en-US"/>
+              <a:t> this Template</a:t>
+            </a:r>
+          </a:p>
+        </p:txBody>
+      </p:sp>
+      <p:sp>
+        <p:nvSpPr>
+          <p:cNvPr id="5123" name="Rectangle 3">
+            <a:extLst>
+              <a:ext uri="{FF2B5EF4-FFF2-40B4-BE49-F238E27FC236}">
+                <a16:creationId xmlns:a16="http://schemas.microsoft.com/office/drawing/2014/main" id="{AF6E546E-3341-DF4F-BD1B-C26644215F10}"/>
+              </a:ext>
+            </a:extLst>
+          </p:cNvPr>
+          <p:cNvSpPr>
+            <a:spLocks noGrp="1" noChangeArrowheads="1"/>
+          </p:cNvSpPr>
+          <p:nvPr>
+            <p:ph type="body" idx="1"/>
+          </p:nvPr>
+        </p:nvSpPr>
+        <p:spPr/>
+        <p:txBody>
+          <a:bodyPr/>
+          <a:lstStyle/>
+          <a:p>
+            <a:pPr eaLnBrk="1" hangingPunct="1">
+              <a:buClr>
+                <a:srgbClr val="CC0000"/>
+              </a:buClr>
+              <a:buFont typeface="Wingdings" charset="2"/>
+              <a:buChar char="§"/>
+              <a:defRPr/>
+            </a:pPr>
+            <a:r>
+              <a:rPr lang="en-US" sz="1800" dirty="0"/>
+              <a:t>The info at the top of the slide can be changed. Simply go to the </a:t>
+            </a:r>
+            <a:r>
+              <a:rPr lang="en-US" sz="1800" b="1" dirty="0"/>
+              <a:t>View</a:t>
+            </a:r>
+            <a:r>
+              <a:rPr lang="en-US" sz="1800" dirty="0"/>
+              <a:t> drop-down menu, select </a:t>
+            </a:r>
+            <a:r>
+              <a:rPr lang="en-US" sz="1800" b="1" dirty="0"/>
+              <a:t>Header and Footer</a:t>
+            </a:r>
+            <a:r>
+              <a:rPr lang="en-US" sz="1800" dirty="0"/>
+              <a:t>, and make your edits in the box that appears.</a:t>
+            </a:r>
+          </a:p>
+          <a:p>
+            <a:pPr lvl="1" eaLnBrk="1" hangingPunct="1">
+              <a:buClr>
+                <a:srgbClr val="CC0000"/>
+              </a:buClr>
+              <a:buFont typeface="Wingdings" charset="2"/>
+              <a:buChar char="§"/>
+              <a:defRPr/>
+            </a:pPr>
+            <a:r>
+              <a:rPr lang="en-US" dirty="0"/>
+              <a:t>The Header and Footer menu can also be used to enable/disable automatic slide numbering. </a:t>
+            </a:r>
+            <a:br>
+              <a:rPr lang="en-US" dirty="0"/>
+            </a:br>
+            <a:endParaRPr lang="en-US" dirty="0"/>
+          </a:p>
+          <a:p>
+            <a:pPr eaLnBrk="1" hangingPunct="1">
+              <a:buClr>
+                <a:srgbClr val="CC0000"/>
+              </a:buClr>
+              <a:buFont typeface="Wingdings" charset="2"/>
+              <a:buChar char="§"/>
+              <a:defRPr/>
+            </a:pPr>
+            <a:r>
+              <a:rPr lang="en-US" sz="1800" dirty="0"/>
+              <a:t>To change the school name in the footer, go to the </a:t>
+            </a:r>
+            <a:r>
+              <a:rPr lang="en-US" sz="1800" b="1" dirty="0"/>
+              <a:t>View</a:t>
+            </a:r>
+            <a:r>
+              <a:rPr lang="en-US" sz="1800" dirty="0"/>
+              <a:t> drop-down menu and select </a:t>
+            </a:r>
+            <a:r>
+              <a:rPr lang="en-US" sz="1800" b="1" dirty="0"/>
+              <a:t>Master</a:t>
+            </a:r>
+            <a:r>
+              <a:rPr lang="en-US" sz="1800" dirty="0"/>
+              <a:t>, then </a:t>
+            </a:r>
+            <a:r>
+              <a:rPr lang="en-US" sz="1800" b="1" dirty="0"/>
+              <a:t>Slide Master</a:t>
+            </a:r>
+            <a:r>
+              <a:rPr lang="en-US" sz="1800" dirty="0"/>
+              <a:t>. Click on “School/college name here” and update accordingly. </a:t>
+            </a:r>
+          </a:p>
+          <a:p>
+            <a:pPr lvl="1" eaLnBrk="1" hangingPunct="1">
+              <a:buClr>
+                <a:srgbClr val="CC0000"/>
+              </a:buClr>
+              <a:buFont typeface="Wingdings" charset="2"/>
+              <a:buChar char="§"/>
+              <a:defRPr/>
+            </a:pPr>
+            <a:r>
+              <a:rPr lang="en-US" dirty="0"/>
+              <a:t>Please note: To appear on all slides of your presentation, this change must be made on both of the first two slides of the master.</a:t>
+            </a:r>
+          </a:p>
+          <a:p>
+            <a:pPr lvl="1" eaLnBrk="1" hangingPunct="1">
+              <a:buClr>
+                <a:srgbClr val="CC0000"/>
+              </a:buClr>
+              <a:buFont typeface="Wingdings" charset="2"/>
+              <a:buChar char="§"/>
+              <a:defRPr/>
+            </a:pPr>
+            <a:endParaRPr lang="en-US" altLang="en-US" dirty="0"/>
+          </a:p>
+        </p:txBody>
+      </p:sp>
+      <p:sp>
+        <p:nvSpPr>
+          <p:cNvPr id="5127" name="Rectangle 7">
+            <a:extLst>
+              <a:ext uri="{FF2B5EF4-FFF2-40B4-BE49-F238E27FC236}">
+                <a16:creationId xmlns:a16="http://schemas.microsoft.com/office/drawing/2014/main" id="{8C5ABBE5-C171-BF4E-9C07-76830C124AC7}"/>
+              </a:ext>
+            </a:extLst>
+          </p:cNvPr>
+          <p:cNvSpPr>
+            <a:spLocks noChangeArrowheads="1"/>
+          </p:cNvSpPr>
+          <p:nvPr/>
+        </p:nvSpPr>
+        <p:spPr bwMode="auto">
+          <a:xfrm>
+            <a:off x="-2060575" y="-676275"/>
+            <a:ext cx="184150" cy="457200"/>
+          </a:xfrm>
+          <a:prstGeom prst="rect">
+            <a:avLst/>
+          </a:prstGeom>
+          <a:noFill/>
+          <a:ln>
+            <a:noFill/>
+          </a:ln>
+          <a:effectLst/>
+          <a:extLst>
+            <a:ext uri="{909E8E84-426E-40DD-AFC4-6F175D3DCCD1}">
+              <a14:hiddenFill xmlns:a14="http://schemas.microsoft.com/office/drawing/2010/main">
+                <a:solidFill>
+                  <a:schemeClr val="accent1"/>
+                </a:solidFill>
+              </a14:hiddenFill>
+            </a:ext>
+            <a:ext uri="{91240B29-F687-4F45-9708-019B960494DF}">
+              <a14:hiddenLine xmlns:a14="http://schemas.microsoft.com/office/drawing/2010/main" w="9525">
+                <a:solidFill>
+                  <a:schemeClr val="tx1"/>
+                </a:solidFill>
+                <a:miter lim="800000"/>
+                <a:headEnd/>
+                <a:tailEnd/>
+              </a14:hiddenLine>
+            </a:ext>
+            <a:ext uri="{AF507438-7753-43E0-B8FC-AC1667EBCBE1}">
+              <a14:hiddenEffects xmlns:a14="http://schemas.microsoft.com/office/drawing/2010/main">
+                <a:effectLst>
+                  <a:outerShdw blurRad="63500" dist="38099" dir="2700000" algn="ctr" rotWithShape="0">
+                    <a:schemeClr val="bg2">
+                      <a:alpha val="74998"/>
+                    </a:schemeClr>
+                  </a:outerShdw>
+                </a:effectLst>
+              </a14:hiddenEffects>
+            </a:ext>
+          </a:extLst>
+        </p:spPr>
+        <p:txBody>
+          <a:bodyPr wrap="none">
+            <a:spAutoFit/>
+          </a:bodyPr>
+          <a:lstStyle/>
+          <a:p>
+            <a:pPr>
+              <a:defRPr/>
+            </a:pPr>
+            <a:endParaRPr lang="en-US" altLang="en-US">
+              <a:latin typeface="Arial" charset="0"/>
+              <a:ea typeface="Osaka" charset="0"/>
+            </a:endParaRPr>
+          </a:p>
+        </p:txBody>
+      </p:sp>
+    </p:spTree>
+    <p:extLst>
+      <p:ext uri="{BB962C8B-B14F-4D97-AF65-F5344CB8AC3E}">
+        <p14:creationId xmlns:p14="http://schemas.microsoft.com/office/powerpoint/2010/main" val="745930785"/>
+      </p:ext>
+    </p:extLst>
+  </p:cSld>
+  <p:clrMapOvr>
+    <a:masterClrMapping/>
+  </p:clrMapOvr>
+</p:sld>
+</file>
+
+<file path=ppt/slides/slide6.xml><?xml version="1.0" encoding="utf-8"?>
+<p:sld xmlns:a="http://schemas.openxmlformats.org/drawingml/2006/main" xmlns:r="http://schemas.openxmlformats.org/officeDocument/2006/relationships" xmlns:p="http://schemas.openxmlformats.org/presentationml/2006/main">
+  <p:cSld>
+    <p:spTree>
+      <p:nvGrpSpPr>
+        <p:cNvPr id="1" name=""/>
+        <p:cNvGrpSpPr/>
+        <p:nvPr/>
+      </p:nvGrpSpPr>
+      <p:grpSpPr>
+        <a:xfrm>
+          <a:off x="0" y="0"/>
+          <a:ext cx="0" cy="0"/>
+          <a:chOff x="0" y="0"/>
+          <a:chExt cx="0" cy="0"/>
+        </a:xfrm>
+      </p:grpSpPr>
+      <p:sp>
+        <p:nvSpPr>
+          <p:cNvPr id="5" name="Footer Placeholder 3">
+            <a:extLst>
+              <a:ext uri="{FF2B5EF4-FFF2-40B4-BE49-F238E27FC236}">
+                <a16:creationId xmlns:a16="http://schemas.microsoft.com/office/drawing/2014/main" id="{28D58CE5-4FD6-0F4B-AAE8-E8BA782C2263}"/>
+              </a:ext>
+            </a:extLst>
+          </p:cNvPr>
+          <p:cNvSpPr>
+            <a:spLocks noGrp="1"/>
+          </p:cNvSpPr>
+          <p:nvPr>
+            <p:ph type="ftr" sz="quarter" idx="10"/>
+          </p:nvPr>
+        </p:nvSpPr>
+        <p:spPr/>
+        <p:txBody>
+          <a:bodyPr/>
+          <a:lstStyle/>
+          <a:p>
+            <a:pPr>
+              <a:defRPr/>
+            </a:pPr>
+            <a:r>
+              <a:rPr lang="en-US" altLang="en-US"/>
+              <a:t>Presentation Title</a:t>
+            </a:r>
+          </a:p>
+        </p:txBody>
+      </p:sp>
+      <p:sp>
+        <p:nvSpPr>
+          <p:cNvPr id="6" name="Date Placeholder 4">
+            <a:extLst>
+              <a:ext uri="{FF2B5EF4-FFF2-40B4-BE49-F238E27FC236}">
+                <a16:creationId xmlns:a16="http://schemas.microsoft.com/office/drawing/2014/main" id="{1D05D912-DD76-9740-BD4A-8BDD6BFF8E1F}"/>
+              </a:ext>
+            </a:extLst>
+          </p:cNvPr>
+          <p:cNvSpPr>
+            <a:spLocks noGrp="1"/>
+          </p:cNvSpPr>
+          <p:nvPr>
+            <p:ph type="dt" sz="quarter" idx="11"/>
+          </p:nvPr>
+        </p:nvSpPr>
+        <p:spPr/>
+        <p:txBody>
+          <a:bodyPr/>
+          <a:lstStyle/>
+          <a:p>
+            <a:pPr>
+              <a:defRPr/>
+            </a:pPr>
+            <a:r>
+              <a:rPr lang="en-US" altLang="en-US"/>
+              <a:t>2/3/08  </a:t>
+            </a:r>
+            <a:fld id="{82DD7A96-85F9-454B-A1B3-FA2F0A06CD82}" type="slidenum">
+              <a:rPr lang="en-US" altLang="en-US"/>
+              <a:pPr>
+                <a:defRPr/>
+              </a:pPr>
+              <a:t>6</a:t>
+            </a:fld>
+            <a:endParaRPr lang="en-US" altLang="en-US" baseline="0"/>
+          </a:p>
+        </p:txBody>
+      </p:sp>
+      <p:sp>
+        <p:nvSpPr>
+          <p:cNvPr id="5122" name="Rectangle 2">
+            <a:extLst>
+              <a:ext uri="{FF2B5EF4-FFF2-40B4-BE49-F238E27FC236}">
+                <a16:creationId xmlns:a16="http://schemas.microsoft.com/office/drawing/2014/main" id="{0D0038A4-6B2C-3742-8BBF-FB4C15FD56EA}"/>
+              </a:ext>
+            </a:extLst>
+          </p:cNvPr>
+          <p:cNvSpPr>
+            <a:spLocks noGrp="1" noChangeArrowheads="1"/>
+          </p:cNvSpPr>
+          <p:nvPr>
+            <p:ph type="title"/>
+          </p:nvPr>
+        </p:nvSpPr>
+        <p:spPr/>
+        <p:txBody>
+          <a:bodyPr/>
+          <a:lstStyle/>
+          <a:p>
+            <a:pPr eaLnBrk="1" hangingPunct="1">
+              <a:defRPr/>
+            </a:pPr>
+            <a:r>
+              <a:rPr lang="en-US" altLang="en-US" b="1"/>
+              <a:t>Editing</a:t>
+            </a:r>
+            <a:r>
+              <a:rPr lang="en-US" altLang="en-US"/>
+              <a:t> this Template</a:t>
+            </a:r>
+          </a:p>
+        </p:txBody>
+      </p:sp>
+      <p:sp>
+        <p:nvSpPr>
+          <p:cNvPr id="5123" name="Rectangle 3">
+            <a:extLst>
+              <a:ext uri="{FF2B5EF4-FFF2-40B4-BE49-F238E27FC236}">
+                <a16:creationId xmlns:a16="http://schemas.microsoft.com/office/drawing/2014/main" id="{AF6E546E-3341-DF4F-BD1B-C26644215F10}"/>
+              </a:ext>
+            </a:extLst>
+          </p:cNvPr>
+          <p:cNvSpPr>
+            <a:spLocks noGrp="1" noChangeArrowheads="1"/>
+          </p:cNvSpPr>
+          <p:nvPr>
+            <p:ph type="body" idx="1"/>
+          </p:nvPr>
+        </p:nvSpPr>
+        <p:spPr/>
+        <p:txBody>
+          <a:bodyPr/>
+          <a:lstStyle/>
+          <a:p>
+            <a:pPr eaLnBrk="1" hangingPunct="1">
+              <a:buClr>
+                <a:srgbClr val="CC0000"/>
+              </a:buClr>
+              <a:buFont typeface="Wingdings" charset="2"/>
+              <a:buChar char="§"/>
+              <a:defRPr/>
+            </a:pPr>
+            <a:r>
+              <a:rPr lang="en-US" sz="1800" dirty="0"/>
+              <a:t>The info at the top of the slide can be changed. Simply go to the </a:t>
+            </a:r>
+            <a:r>
+              <a:rPr lang="en-US" sz="1800" b="1" dirty="0"/>
+              <a:t>View</a:t>
+            </a:r>
+            <a:r>
+              <a:rPr lang="en-US" sz="1800" dirty="0"/>
+              <a:t> drop-down menu, select </a:t>
+            </a:r>
+            <a:r>
+              <a:rPr lang="en-US" sz="1800" b="1" dirty="0"/>
+              <a:t>Header and Footer</a:t>
+            </a:r>
+            <a:r>
+              <a:rPr lang="en-US" sz="1800" dirty="0"/>
+              <a:t>, and make your edits in the box that appears.</a:t>
+            </a:r>
+          </a:p>
+          <a:p>
+            <a:pPr lvl="1" eaLnBrk="1" hangingPunct="1">
+              <a:buClr>
+                <a:srgbClr val="CC0000"/>
+              </a:buClr>
+              <a:buFont typeface="Wingdings" charset="2"/>
+              <a:buChar char="§"/>
+              <a:defRPr/>
+            </a:pPr>
+            <a:r>
+              <a:rPr lang="en-US" dirty="0"/>
+              <a:t>The Header and Footer menu can also be used to enable/disable automatic slide numbering. </a:t>
+            </a:r>
+            <a:br>
+              <a:rPr lang="en-US" dirty="0"/>
+            </a:br>
+            <a:endParaRPr lang="en-US" dirty="0"/>
+          </a:p>
+          <a:p>
+            <a:pPr eaLnBrk="1" hangingPunct="1">
+              <a:buClr>
+                <a:srgbClr val="CC0000"/>
+              </a:buClr>
+              <a:buFont typeface="Wingdings" charset="2"/>
+              <a:buChar char="§"/>
+              <a:defRPr/>
+            </a:pPr>
+            <a:r>
+              <a:rPr lang="en-US" sz="1800" dirty="0"/>
+              <a:t>To change the school name in the footer, go to the </a:t>
+            </a:r>
+            <a:r>
+              <a:rPr lang="en-US" sz="1800" b="1" dirty="0"/>
+              <a:t>View</a:t>
+            </a:r>
+            <a:r>
+              <a:rPr lang="en-US" sz="1800" dirty="0"/>
+              <a:t> drop-down menu and select </a:t>
+            </a:r>
+            <a:r>
+              <a:rPr lang="en-US" sz="1800" b="1" dirty="0"/>
+              <a:t>Master</a:t>
+            </a:r>
+            <a:r>
+              <a:rPr lang="en-US" sz="1800" dirty="0"/>
+              <a:t>, then </a:t>
+            </a:r>
+            <a:r>
+              <a:rPr lang="en-US" sz="1800" b="1" dirty="0"/>
+              <a:t>Slide Master</a:t>
+            </a:r>
+            <a:r>
+              <a:rPr lang="en-US" sz="1800" dirty="0"/>
+              <a:t>. Click on “School/college name here” and update accordingly. </a:t>
+            </a:r>
+          </a:p>
+          <a:p>
+            <a:pPr lvl="1" eaLnBrk="1" hangingPunct="1">
+              <a:buClr>
+                <a:srgbClr val="CC0000"/>
+              </a:buClr>
+              <a:buFont typeface="Wingdings" charset="2"/>
+              <a:buChar char="§"/>
+              <a:defRPr/>
+            </a:pPr>
+            <a:r>
+              <a:rPr lang="en-US" dirty="0"/>
+              <a:t>Please note: To appear on all slides of your presentation, this change must be made on both of the first two slides of the master.</a:t>
+            </a:r>
+          </a:p>
+          <a:p>
+            <a:pPr lvl="1" eaLnBrk="1" hangingPunct="1">
+              <a:buClr>
+                <a:srgbClr val="CC0000"/>
+              </a:buClr>
+              <a:buFont typeface="Wingdings" charset="2"/>
+              <a:buChar char="§"/>
+              <a:defRPr/>
+            </a:pPr>
+            <a:endParaRPr lang="en-US" altLang="en-US" dirty="0"/>
+          </a:p>
+        </p:txBody>
+      </p:sp>
+      <p:sp>
+        <p:nvSpPr>
+          <p:cNvPr id="5127" name="Rectangle 7">
+            <a:extLst>
+              <a:ext uri="{FF2B5EF4-FFF2-40B4-BE49-F238E27FC236}">
+                <a16:creationId xmlns:a16="http://schemas.microsoft.com/office/drawing/2014/main" id="{8C5ABBE5-C171-BF4E-9C07-76830C124AC7}"/>
+              </a:ext>
+            </a:extLst>
+          </p:cNvPr>
+          <p:cNvSpPr>
+            <a:spLocks noChangeArrowheads="1"/>
+          </p:cNvSpPr>
+          <p:nvPr/>
+        </p:nvSpPr>
+        <p:spPr bwMode="auto">
+          <a:xfrm>
+            <a:off x="-2060575" y="-676275"/>
+            <a:ext cx="184150" cy="457200"/>
+          </a:xfrm>
+          <a:prstGeom prst="rect">
+            <a:avLst/>
+          </a:prstGeom>
+          <a:noFill/>
+          <a:ln>
+            <a:noFill/>
+          </a:ln>
+          <a:effectLst/>
+          <a:extLst>
+            <a:ext uri="{909E8E84-426E-40DD-AFC4-6F175D3DCCD1}">
+              <a14:hiddenFill xmlns:a14="http://schemas.microsoft.com/office/drawing/2010/main">
+                <a:solidFill>
+                  <a:schemeClr val="accent1"/>
+                </a:solidFill>
+              </a14:hiddenFill>
+            </a:ext>
+            <a:ext uri="{91240B29-F687-4F45-9708-019B960494DF}">
+              <a14:hiddenLine xmlns:a14="http://schemas.microsoft.com/office/drawing/2010/main" w="9525">
+                <a:solidFill>
+                  <a:schemeClr val="tx1"/>
+                </a:solidFill>
+                <a:miter lim="800000"/>
+                <a:headEnd/>
+                <a:tailEnd/>
+              </a14:hiddenLine>
+            </a:ext>
+            <a:ext uri="{AF507438-7753-43E0-B8FC-AC1667EBCBE1}">
+              <a14:hiddenEffects xmlns:a14="http://schemas.microsoft.com/office/drawing/2010/main">
+                <a:effectLst>
+                  <a:outerShdw blurRad="63500" dist="38099" dir="2700000" algn="ctr" rotWithShape="0">
+                    <a:schemeClr val="bg2">
+                      <a:alpha val="74998"/>
+                    </a:schemeClr>
+                  </a:outerShdw>
+                </a:effectLst>
+              </a14:hiddenEffects>
+            </a:ext>
+          </a:extLst>
+        </p:spPr>
+        <p:txBody>
+          <a:bodyPr wrap="none">
+            <a:spAutoFit/>
+          </a:bodyPr>
+          <a:lstStyle/>
+          <a:p>
+            <a:pPr>
+              <a:defRPr/>
+            </a:pPr>
+            <a:endParaRPr lang="en-US" altLang="en-US">
+              <a:latin typeface="Arial" charset="0"/>
+              <a:ea typeface="Osaka" charset="0"/>
+            </a:endParaRPr>
+          </a:p>
+        </p:txBody>
+      </p:sp>
+    </p:spTree>
+    <p:extLst>
+      <p:ext uri="{BB962C8B-B14F-4D97-AF65-F5344CB8AC3E}">
+        <p14:creationId xmlns:p14="http://schemas.microsoft.com/office/powerpoint/2010/main" val="870753383"/>
+      </p:ext>
+    </p:extLst>
+  </p:cSld>
+  <p:clrMapOvr>
+    <a:masterClrMapping/>
+  </p:clrMapOvr>
+</p:sld>
+</file>
+
+<file path=ppt/slides/slide7.xml><?xml version="1.0" encoding="utf-8"?>
+<p:sld xmlns:a="http://schemas.openxmlformats.org/drawingml/2006/main" xmlns:r="http://schemas.openxmlformats.org/officeDocument/2006/relationships" xmlns:p="http://schemas.openxmlformats.org/presentationml/2006/main">
+  <p:cSld>
+    <p:spTree>
+      <p:nvGrpSpPr>
+        <p:cNvPr id="1" name=""/>
+        <p:cNvGrpSpPr/>
+        <p:nvPr/>
+      </p:nvGrpSpPr>
+      <p:grpSpPr>
+        <a:xfrm>
+          <a:off x="0" y="0"/>
+          <a:ext cx="0" cy="0"/>
+          <a:chOff x="0" y="0"/>
+          <a:chExt cx="0" cy="0"/>
+        </a:xfrm>
+      </p:grpSpPr>
+      <p:sp>
+        <p:nvSpPr>
+          <p:cNvPr id="5" name="Footer Placeholder 3">
+            <a:extLst>
+              <a:ext uri="{FF2B5EF4-FFF2-40B4-BE49-F238E27FC236}">
+                <a16:creationId xmlns:a16="http://schemas.microsoft.com/office/drawing/2014/main" id="{28D58CE5-4FD6-0F4B-AAE8-E8BA782C2263}"/>
+              </a:ext>
+            </a:extLst>
+          </p:cNvPr>
+          <p:cNvSpPr>
+            <a:spLocks noGrp="1"/>
+          </p:cNvSpPr>
+          <p:nvPr>
+            <p:ph type="ftr" sz="quarter" idx="10"/>
+          </p:nvPr>
+        </p:nvSpPr>
+        <p:spPr/>
+        <p:txBody>
+          <a:bodyPr/>
+          <a:lstStyle/>
+          <a:p>
+            <a:pPr>
+              <a:defRPr/>
+            </a:pPr>
+            <a:r>
+              <a:rPr lang="en-US" altLang="en-US"/>
+              <a:t>Presentation Title</a:t>
+            </a:r>
+          </a:p>
+        </p:txBody>
+      </p:sp>
+      <p:sp>
+        <p:nvSpPr>
+          <p:cNvPr id="6" name="Date Placeholder 4">
+            <a:extLst>
+              <a:ext uri="{FF2B5EF4-FFF2-40B4-BE49-F238E27FC236}">
+                <a16:creationId xmlns:a16="http://schemas.microsoft.com/office/drawing/2014/main" id="{1D05D912-DD76-9740-BD4A-8BDD6BFF8E1F}"/>
+              </a:ext>
+            </a:extLst>
+          </p:cNvPr>
+          <p:cNvSpPr>
+            <a:spLocks noGrp="1"/>
+          </p:cNvSpPr>
+          <p:nvPr>
+            <p:ph type="dt" sz="quarter" idx="11"/>
+          </p:nvPr>
+        </p:nvSpPr>
+        <p:spPr/>
+        <p:txBody>
+          <a:bodyPr/>
+          <a:lstStyle/>
+          <a:p>
+            <a:pPr>
+              <a:defRPr/>
+            </a:pPr>
+            <a:r>
+              <a:rPr lang="en-US" altLang="en-US"/>
+              <a:t>2/3/08  </a:t>
+            </a:r>
+            <a:fld id="{82DD7A96-85F9-454B-A1B3-FA2F0A06CD82}" type="slidenum">
+              <a:rPr lang="en-US" altLang="en-US"/>
+              <a:pPr>
+                <a:defRPr/>
+              </a:pPr>
+              <a:t>7</a:t>
+            </a:fld>
+            <a:endParaRPr lang="en-US" altLang="en-US" baseline="0"/>
+          </a:p>
+        </p:txBody>
+      </p:sp>
+      <p:sp>
+        <p:nvSpPr>
+          <p:cNvPr id="5122" name="Rectangle 2">
+            <a:extLst>
+              <a:ext uri="{FF2B5EF4-FFF2-40B4-BE49-F238E27FC236}">
+                <a16:creationId xmlns:a16="http://schemas.microsoft.com/office/drawing/2014/main" id="{0D0038A4-6B2C-3742-8BBF-FB4C15FD56EA}"/>
+              </a:ext>
+            </a:extLst>
+          </p:cNvPr>
+          <p:cNvSpPr>
+            <a:spLocks noGrp="1" noChangeArrowheads="1"/>
+          </p:cNvSpPr>
+          <p:nvPr>
+            <p:ph type="title"/>
+          </p:nvPr>
+        </p:nvSpPr>
+        <p:spPr/>
+        <p:txBody>
+          <a:bodyPr/>
+          <a:lstStyle/>
+          <a:p>
+            <a:pPr eaLnBrk="1" hangingPunct="1">
+              <a:defRPr/>
+            </a:pPr>
+            <a:r>
+              <a:rPr lang="en-US" altLang="en-US" b="1"/>
+              <a:t>Editing</a:t>
+            </a:r>
+            <a:r>
+              <a:rPr lang="en-US" altLang="en-US"/>
+              <a:t> this Template</a:t>
+            </a:r>
+          </a:p>
+        </p:txBody>
+      </p:sp>
+      <p:sp>
+        <p:nvSpPr>
+          <p:cNvPr id="5123" name="Rectangle 3">
+            <a:extLst>
+              <a:ext uri="{FF2B5EF4-FFF2-40B4-BE49-F238E27FC236}">
+                <a16:creationId xmlns:a16="http://schemas.microsoft.com/office/drawing/2014/main" id="{AF6E546E-3341-DF4F-BD1B-C26644215F10}"/>
+              </a:ext>
+            </a:extLst>
+          </p:cNvPr>
+          <p:cNvSpPr>
+            <a:spLocks noGrp="1" noChangeArrowheads="1"/>
+          </p:cNvSpPr>
+          <p:nvPr>
+            <p:ph type="body" idx="1"/>
+          </p:nvPr>
+        </p:nvSpPr>
+        <p:spPr/>
+        <p:txBody>
+          <a:bodyPr/>
+          <a:lstStyle/>
+          <a:p>
+            <a:pPr eaLnBrk="1" hangingPunct="1">
+              <a:buClr>
+                <a:srgbClr val="CC0000"/>
+              </a:buClr>
+              <a:buFont typeface="Wingdings" charset="2"/>
+              <a:buChar char="§"/>
+              <a:defRPr/>
+            </a:pPr>
+            <a:r>
+              <a:rPr lang="en-US" sz="1800" dirty="0"/>
+              <a:t>The info at the top of the slide can be changed. Simply go to the </a:t>
+            </a:r>
+            <a:r>
+              <a:rPr lang="en-US" sz="1800" b="1" dirty="0"/>
+              <a:t>View</a:t>
+            </a:r>
+            <a:r>
+              <a:rPr lang="en-US" sz="1800" dirty="0"/>
+              <a:t> drop-down menu, select </a:t>
+            </a:r>
+            <a:r>
+              <a:rPr lang="en-US" sz="1800" b="1" dirty="0"/>
+              <a:t>Header and Footer</a:t>
+            </a:r>
+            <a:r>
+              <a:rPr lang="en-US" sz="1800" dirty="0"/>
+              <a:t>, and make your edits in the box that appears.</a:t>
+            </a:r>
+          </a:p>
+          <a:p>
+            <a:pPr lvl="1" eaLnBrk="1" hangingPunct="1">
+              <a:buClr>
+                <a:srgbClr val="CC0000"/>
+              </a:buClr>
+              <a:buFont typeface="Wingdings" charset="2"/>
+              <a:buChar char="§"/>
+              <a:defRPr/>
+            </a:pPr>
+            <a:r>
+              <a:rPr lang="en-US" dirty="0"/>
+              <a:t>The Header and Footer menu can also be used to enable/disable automatic slide numbering. </a:t>
+            </a:r>
+            <a:br>
+              <a:rPr lang="en-US" dirty="0"/>
+            </a:br>
+            <a:endParaRPr lang="en-US" dirty="0"/>
+          </a:p>
+          <a:p>
+            <a:pPr eaLnBrk="1" hangingPunct="1">
+              <a:buClr>
+                <a:srgbClr val="CC0000"/>
+              </a:buClr>
+              <a:buFont typeface="Wingdings" charset="2"/>
+              <a:buChar char="§"/>
+              <a:defRPr/>
+            </a:pPr>
+            <a:r>
+              <a:rPr lang="en-US" sz="1800" dirty="0"/>
+              <a:t>To change the school name in the footer, go to the </a:t>
+            </a:r>
+            <a:r>
+              <a:rPr lang="en-US" sz="1800" b="1" dirty="0"/>
+              <a:t>View</a:t>
+            </a:r>
+            <a:r>
+              <a:rPr lang="en-US" sz="1800" dirty="0"/>
+              <a:t> drop-down menu and select </a:t>
+            </a:r>
+            <a:r>
+              <a:rPr lang="en-US" sz="1800" b="1" dirty="0"/>
+              <a:t>Master</a:t>
+            </a:r>
+            <a:r>
+              <a:rPr lang="en-US" sz="1800" dirty="0"/>
+              <a:t>, then </a:t>
+            </a:r>
+            <a:r>
+              <a:rPr lang="en-US" sz="1800" b="1" dirty="0"/>
+              <a:t>Slide Master</a:t>
+            </a:r>
+            <a:r>
+              <a:rPr lang="en-US" sz="1800" dirty="0"/>
+              <a:t>. Click on “School/college name here” and update accordingly. </a:t>
+            </a:r>
+          </a:p>
+          <a:p>
+            <a:pPr lvl="1" eaLnBrk="1" hangingPunct="1">
+              <a:buClr>
+                <a:srgbClr val="CC0000"/>
+              </a:buClr>
+              <a:buFont typeface="Wingdings" charset="2"/>
+              <a:buChar char="§"/>
+              <a:defRPr/>
+            </a:pPr>
+            <a:r>
+              <a:rPr lang="en-US" dirty="0"/>
+              <a:t>Please note: To appear on all slides of your presentation, this change must be made on both of the first two slides of the master.</a:t>
+            </a:r>
+          </a:p>
+          <a:p>
+            <a:pPr lvl="1" eaLnBrk="1" hangingPunct="1">
+              <a:buClr>
+                <a:srgbClr val="CC0000"/>
+              </a:buClr>
+              <a:buFont typeface="Wingdings" charset="2"/>
+              <a:buChar char="§"/>
+              <a:defRPr/>
+            </a:pPr>
+            <a:endParaRPr lang="en-US" altLang="en-US" dirty="0"/>
+          </a:p>
+        </p:txBody>
+      </p:sp>
+      <p:sp>
+        <p:nvSpPr>
+          <p:cNvPr id="5127" name="Rectangle 7">
+            <a:extLst>
+              <a:ext uri="{FF2B5EF4-FFF2-40B4-BE49-F238E27FC236}">
+                <a16:creationId xmlns:a16="http://schemas.microsoft.com/office/drawing/2014/main" id="{8C5ABBE5-C171-BF4E-9C07-76830C124AC7}"/>
+              </a:ext>
+            </a:extLst>
+          </p:cNvPr>
+          <p:cNvSpPr>
+            <a:spLocks noChangeArrowheads="1"/>
+          </p:cNvSpPr>
+          <p:nvPr/>
+        </p:nvSpPr>
+        <p:spPr bwMode="auto">
+          <a:xfrm>
+            <a:off x="-2060575" y="-676275"/>
+            <a:ext cx="184150" cy="457200"/>
+          </a:xfrm>
+          <a:prstGeom prst="rect">
+            <a:avLst/>
+          </a:prstGeom>
+          <a:noFill/>
+          <a:ln>
+            <a:noFill/>
+          </a:ln>
+          <a:effectLst/>
+          <a:extLst>
+            <a:ext uri="{909E8E84-426E-40DD-AFC4-6F175D3DCCD1}">
+              <a14:hiddenFill xmlns:a14="http://schemas.microsoft.com/office/drawing/2010/main">
+                <a:solidFill>
+                  <a:schemeClr val="accent1"/>
+                </a:solidFill>
+              </a14:hiddenFill>
+            </a:ext>
+            <a:ext uri="{91240B29-F687-4F45-9708-019B960494DF}">
+              <a14:hiddenLine xmlns:a14="http://schemas.microsoft.com/office/drawing/2010/main" w="9525">
+                <a:solidFill>
+                  <a:schemeClr val="tx1"/>
+                </a:solidFill>
+                <a:miter lim="800000"/>
+                <a:headEnd/>
+                <a:tailEnd/>
+              </a14:hiddenLine>
+            </a:ext>
+            <a:ext uri="{AF507438-7753-43E0-B8FC-AC1667EBCBE1}">
+              <a14:hiddenEffects xmlns:a14="http://schemas.microsoft.com/office/drawing/2010/main">
+                <a:effectLst>
+                  <a:outerShdw blurRad="63500" dist="38099" dir="2700000" algn="ctr" rotWithShape="0">
+                    <a:schemeClr val="bg2">
+                      <a:alpha val="74998"/>
+                    </a:schemeClr>
+                  </a:outerShdw>
+                </a:effectLst>
+              </a14:hiddenEffects>
+            </a:ext>
+          </a:extLst>
+        </p:spPr>
+        <p:txBody>
+          <a:bodyPr wrap="none">
+            <a:spAutoFit/>
+          </a:bodyPr>
+          <a:lstStyle/>
+          <a:p>
+            <a:pPr>
+              <a:defRPr/>
+            </a:pPr>
+            <a:endParaRPr lang="en-US" altLang="en-US">
+              <a:latin typeface="Arial" charset="0"/>
+              <a:ea typeface="Osaka" charset="0"/>
+            </a:endParaRPr>
+          </a:p>
+        </p:txBody>
+      </p:sp>
+    </p:spTree>
+    <p:extLst>
+      <p:ext uri="{BB962C8B-B14F-4D97-AF65-F5344CB8AC3E}">
+        <p14:creationId xmlns:p14="http://schemas.microsoft.com/office/powerpoint/2010/main" val="1932186689"/>
+      </p:ext>
+    </p:extLst>
+  </p:cSld>
+  <p:clrMapOvr>
+    <a:masterClrMapping/>
+  </p:clrMapOvr>
+</p:sld>
+</file>
+
+<file path=ppt/slides/slide8.xml><?xml version="1.0" encoding="utf-8"?>
+<p:sld xmlns:a="http://schemas.openxmlformats.org/drawingml/2006/main" xmlns:r="http://schemas.openxmlformats.org/officeDocument/2006/relationships" xmlns:p="http://schemas.openxmlformats.org/presentationml/2006/main">
+  <p:cSld>
+    <p:spTree>
+      <p:nvGrpSpPr>
+        <p:cNvPr id="1" name=""/>
+        <p:cNvGrpSpPr/>
+        <p:nvPr/>
+      </p:nvGrpSpPr>
+      <p:grpSpPr>
+        <a:xfrm>
+          <a:off x="0" y="0"/>
+          <a:ext cx="0" cy="0"/>
+          <a:chOff x="0" y="0"/>
+          <a:chExt cx="0" cy="0"/>
+        </a:xfrm>
+      </p:grpSpPr>
+      <p:sp>
+        <p:nvSpPr>
+          <p:cNvPr id="5" name="Footer Placeholder 3">
+            <a:extLst>
+              <a:ext uri="{FF2B5EF4-FFF2-40B4-BE49-F238E27FC236}">
+                <a16:creationId xmlns:a16="http://schemas.microsoft.com/office/drawing/2014/main" id="{28D58CE5-4FD6-0F4B-AAE8-E8BA782C2263}"/>
+              </a:ext>
+            </a:extLst>
+          </p:cNvPr>
+          <p:cNvSpPr>
+            <a:spLocks noGrp="1"/>
+          </p:cNvSpPr>
+          <p:nvPr>
+            <p:ph type="ftr" sz="quarter" idx="10"/>
+          </p:nvPr>
+        </p:nvSpPr>
+        <p:spPr/>
+        <p:txBody>
+          <a:bodyPr/>
+          <a:lstStyle/>
+          <a:p>
+            <a:pPr>
+              <a:defRPr/>
+            </a:pPr>
+            <a:r>
+              <a:rPr lang="en-US" altLang="en-US"/>
+              <a:t>Presentation Title</a:t>
+            </a:r>
+          </a:p>
+        </p:txBody>
+      </p:sp>
+      <p:sp>
+        <p:nvSpPr>
+          <p:cNvPr id="6" name="Date Placeholder 4">
+            <a:extLst>
+              <a:ext uri="{FF2B5EF4-FFF2-40B4-BE49-F238E27FC236}">
+                <a16:creationId xmlns:a16="http://schemas.microsoft.com/office/drawing/2014/main" id="{1D05D912-DD76-9740-BD4A-8BDD6BFF8E1F}"/>
+              </a:ext>
+            </a:extLst>
+          </p:cNvPr>
+          <p:cNvSpPr>
+            <a:spLocks noGrp="1"/>
+          </p:cNvSpPr>
+          <p:nvPr>
+            <p:ph type="dt" sz="quarter" idx="11"/>
+          </p:nvPr>
+        </p:nvSpPr>
+        <p:spPr/>
+        <p:txBody>
+          <a:bodyPr/>
+          <a:lstStyle/>
+          <a:p>
+            <a:pPr>
+              <a:defRPr/>
+            </a:pPr>
+            <a:r>
+              <a:rPr lang="en-US" altLang="en-US"/>
+              <a:t>2/3/08  </a:t>
+            </a:r>
+            <a:fld id="{82DD7A96-85F9-454B-A1B3-FA2F0A06CD82}" type="slidenum">
+              <a:rPr lang="en-US" altLang="en-US"/>
+              <a:pPr>
+                <a:defRPr/>
+              </a:pPr>
+              <a:t>8</a:t>
+            </a:fld>
+            <a:endParaRPr lang="en-US" altLang="en-US" baseline="0"/>
+          </a:p>
+        </p:txBody>
+      </p:sp>
+      <p:sp>
+        <p:nvSpPr>
+          <p:cNvPr id="5122" name="Rectangle 2">
+            <a:extLst>
+              <a:ext uri="{FF2B5EF4-FFF2-40B4-BE49-F238E27FC236}">
+                <a16:creationId xmlns:a16="http://schemas.microsoft.com/office/drawing/2014/main" id="{0D0038A4-6B2C-3742-8BBF-FB4C15FD56EA}"/>
+              </a:ext>
+            </a:extLst>
+          </p:cNvPr>
+          <p:cNvSpPr>
+            <a:spLocks noGrp="1" noChangeArrowheads="1"/>
+          </p:cNvSpPr>
+          <p:nvPr>
+            <p:ph type="title"/>
+          </p:nvPr>
+        </p:nvSpPr>
+        <p:spPr/>
+        <p:txBody>
+          <a:bodyPr/>
+          <a:lstStyle/>
+          <a:p>
+            <a:pPr eaLnBrk="1" hangingPunct="1">
+              <a:defRPr/>
+            </a:pPr>
+            <a:r>
+              <a:rPr lang="en-US" altLang="en-US" b="1"/>
+              <a:t>Editing</a:t>
+            </a:r>
+            <a:r>
+              <a:rPr lang="en-US" altLang="en-US"/>
+              <a:t> this Template</a:t>
+            </a:r>
+          </a:p>
+        </p:txBody>
+      </p:sp>
+      <p:sp>
+        <p:nvSpPr>
+          <p:cNvPr id="5123" name="Rectangle 3">
+            <a:extLst>
+              <a:ext uri="{FF2B5EF4-FFF2-40B4-BE49-F238E27FC236}">
+                <a16:creationId xmlns:a16="http://schemas.microsoft.com/office/drawing/2014/main" id="{AF6E546E-3341-DF4F-BD1B-C26644215F10}"/>
+              </a:ext>
+            </a:extLst>
+          </p:cNvPr>
+          <p:cNvSpPr>
+            <a:spLocks noGrp="1" noChangeArrowheads="1"/>
+          </p:cNvSpPr>
+          <p:nvPr>
+            <p:ph type="body" idx="1"/>
+          </p:nvPr>
+        </p:nvSpPr>
+        <p:spPr/>
+        <p:txBody>
+          <a:bodyPr/>
+          <a:lstStyle/>
+          <a:p>
+            <a:pPr eaLnBrk="1" hangingPunct="1">
+              <a:buClr>
+                <a:srgbClr val="CC0000"/>
+              </a:buClr>
+              <a:buFont typeface="Wingdings" charset="2"/>
+              <a:buChar char="§"/>
+              <a:defRPr/>
+            </a:pPr>
+            <a:r>
+              <a:rPr lang="en-US" sz="1800" dirty="0"/>
+              <a:t>The info at the top of the slide can be changed. Simply go to the </a:t>
+            </a:r>
+            <a:r>
+              <a:rPr lang="en-US" sz="1800" b="1" dirty="0"/>
+              <a:t>View</a:t>
+            </a:r>
+            <a:r>
+              <a:rPr lang="en-US" sz="1800" dirty="0"/>
+              <a:t> drop-down menu, select </a:t>
+            </a:r>
+            <a:r>
+              <a:rPr lang="en-US" sz="1800" b="1" dirty="0"/>
+              <a:t>Header and Footer</a:t>
+            </a:r>
+            <a:r>
+              <a:rPr lang="en-US" sz="1800" dirty="0"/>
+              <a:t>, and make your edits in the box that appears.</a:t>
+            </a:r>
+          </a:p>
+          <a:p>
+            <a:pPr lvl="1" eaLnBrk="1" hangingPunct="1">
+              <a:buClr>
+                <a:srgbClr val="CC0000"/>
+              </a:buClr>
+              <a:buFont typeface="Wingdings" charset="2"/>
+              <a:buChar char="§"/>
+              <a:defRPr/>
+            </a:pPr>
+            <a:r>
+              <a:rPr lang="en-US" dirty="0"/>
+              <a:t>The Header and Footer menu can also be used to enable/disable automatic slide numbering. </a:t>
+            </a:r>
+            <a:br>
+              <a:rPr lang="en-US" dirty="0"/>
+            </a:br>
+            <a:endParaRPr lang="en-US" dirty="0"/>
+          </a:p>
+          <a:p>
+            <a:pPr eaLnBrk="1" hangingPunct="1">
+              <a:buClr>
+                <a:srgbClr val="CC0000"/>
+              </a:buClr>
+              <a:buFont typeface="Wingdings" charset="2"/>
+              <a:buChar char="§"/>
+              <a:defRPr/>
+            </a:pPr>
+            <a:r>
+              <a:rPr lang="en-US" sz="1800" dirty="0"/>
+              <a:t>To change the school name in the footer, go to the </a:t>
+            </a:r>
+            <a:r>
+              <a:rPr lang="en-US" sz="1800" b="1" dirty="0"/>
+              <a:t>View</a:t>
+            </a:r>
+            <a:r>
+              <a:rPr lang="en-US" sz="1800" dirty="0"/>
+              <a:t> drop-down menu and select </a:t>
+            </a:r>
+            <a:r>
+              <a:rPr lang="en-US" sz="1800" b="1" dirty="0"/>
+              <a:t>Master</a:t>
+            </a:r>
+            <a:r>
+              <a:rPr lang="en-US" sz="1800" dirty="0"/>
+              <a:t>, then </a:t>
+            </a:r>
+            <a:r>
+              <a:rPr lang="en-US" sz="1800" b="1" dirty="0"/>
+              <a:t>Slide Master</a:t>
+            </a:r>
+            <a:r>
+              <a:rPr lang="en-US" sz="1800" dirty="0"/>
+              <a:t>. Click on “School/college name here” and update accordingly. </a:t>
+            </a:r>
+          </a:p>
+          <a:p>
+            <a:pPr lvl="1" eaLnBrk="1" hangingPunct="1">
+              <a:buClr>
+                <a:srgbClr val="CC0000"/>
+              </a:buClr>
+              <a:buFont typeface="Wingdings" charset="2"/>
+              <a:buChar char="§"/>
+              <a:defRPr/>
+            </a:pPr>
+            <a:r>
+              <a:rPr lang="en-US" dirty="0"/>
+              <a:t>Please note: To appear on all slides of your presentation, this change must be made on both of the first two slides of the master.</a:t>
+            </a:r>
+          </a:p>
+          <a:p>
+            <a:pPr lvl="1" eaLnBrk="1" hangingPunct="1">
+              <a:buClr>
+                <a:srgbClr val="CC0000"/>
+              </a:buClr>
+              <a:buFont typeface="Wingdings" charset="2"/>
+              <a:buChar char="§"/>
+              <a:defRPr/>
+            </a:pPr>
+            <a:endParaRPr lang="en-US" altLang="en-US" dirty="0"/>
+          </a:p>
+        </p:txBody>
+      </p:sp>
+      <p:sp>
+        <p:nvSpPr>
+          <p:cNvPr id="5127" name="Rectangle 7">
+            <a:extLst>
+              <a:ext uri="{FF2B5EF4-FFF2-40B4-BE49-F238E27FC236}">
+                <a16:creationId xmlns:a16="http://schemas.microsoft.com/office/drawing/2014/main" id="{8C5ABBE5-C171-BF4E-9C07-76830C124AC7}"/>
+              </a:ext>
+            </a:extLst>
+          </p:cNvPr>
+          <p:cNvSpPr>
+            <a:spLocks noChangeArrowheads="1"/>
+          </p:cNvSpPr>
+          <p:nvPr/>
+        </p:nvSpPr>
+        <p:spPr bwMode="auto">
+          <a:xfrm>
+            <a:off x="-2060575" y="-676275"/>
+            <a:ext cx="184150" cy="457200"/>
+          </a:xfrm>
+          <a:prstGeom prst="rect">
+            <a:avLst/>
+          </a:prstGeom>
+          <a:noFill/>
+          <a:ln>
+            <a:noFill/>
+          </a:ln>
+          <a:effectLst/>
+          <a:extLst>
+            <a:ext uri="{909E8E84-426E-40DD-AFC4-6F175D3DCCD1}">
+              <a14:hiddenFill xmlns:a14="http://schemas.microsoft.com/office/drawing/2010/main">
+                <a:solidFill>
+                  <a:schemeClr val="accent1"/>
+                </a:solidFill>
+              </a14:hiddenFill>
+            </a:ext>
+            <a:ext uri="{91240B29-F687-4F45-9708-019B960494DF}">
+              <a14:hiddenLine xmlns:a14="http://schemas.microsoft.com/office/drawing/2010/main" w="9525">
+                <a:solidFill>
+                  <a:schemeClr val="tx1"/>
+                </a:solidFill>
+                <a:miter lim="800000"/>
+                <a:headEnd/>
+                <a:tailEnd/>
+              </a14:hiddenLine>
+            </a:ext>
+            <a:ext uri="{AF507438-7753-43E0-B8FC-AC1667EBCBE1}">
+              <a14:hiddenEffects xmlns:a14="http://schemas.microsoft.com/office/drawing/2010/main">
+                <a:effectLst>
+                  <a:outerShdw blurRad="63500" dist="38099" dir="2700000" algn="ctr" rotWithShape="0">
+                    <a:schemeClr val="bg2">
+                      <a:alpha val="74998"/>
+                    </a:schemeClr>
+                  </a:outerShdw>
+                </a:effectLst>
+              </a14:hiddenEffects>
+            </a:ext>
+          </a:extLst>
+        </p:spPr>
+        <p:txBody>
+          <a:bodyPr wrap="none">
+            <a:spAutoFit/>
+          </a:bodyPr>
+          <a:lstStyle/>
+          <a:p>
+            <a:pPr>
+              <a:defRPr/>
+            </a:pPr>
+            <a:endParaRPr lang="en-US" altLang="en-US">
+              <a:latin typeface="Arial" charset="0"/>
+              <a:ea typeface="Osaka" charset="0"/>
+            </a:endParaRPr>
+          </a:p>
+        </p:txBody>
+      </p:sp>
+    </p:spTree>
+    <p:extLst>
+      <p:ext uri="{BB962C8B-B14F-4D97-AF65-F5344CB8AC3E}">
+        <p14:creationId xmlns:p14="http://schemas.microsoft.com/office/powerpoint/2010/main" val="1237048230"/>
+      </p:ext>
+    </p:extLst>
   </p:cSld>
   <p:clrMapOvr>
     <a:masterClrMapping/>
